--- a/Vendor_Boards/Great_Cow_Basic_Demo_Board/18Fx6q20_ChipRange_Demonstrations/tutorials/GCbASIC_Part20_Summary.pptx
+++ b/Vendor_Boards/Great_Cow_Basic_Demo_Board/18Fx6q20_ChipRange_Demonstrations/tutorials/GCbASIC_Part20_Summary.pptx
@@ -5,23 +5,22 @@
     <p:sldMasterId id="2147483648" r:id="rId1"/>
   </p:sldMasterIdLst>
   <p:notesMasterIdLst>
-    <p:notesMasterId r:id="rId13"/>
+    <p:notesMasterId r:id="rId12"/>
   </p:notesMasterIdLst>
   <p:handoutMasterIdLst>
-    <p:handoutMasterId r:id="rId14"/>
+    <p:handoutMasterId r:id="rId13"/>
   </p:handoutMasterIdLst>
   <p:sldIdLst>
-    <p:sldId id="256" r:id="rId2"/>
-    <p:sldId id="334" r:id="rId3"/>
-    <p:sldId id="283" r:id="rId4"/>
-    <p:sldId id="335" r:id="rId5"/>
-    <p:sldId id="324" r:id="rId6"/>
-    <p:sldId id="325" r:id="rId7"/>
-    <p:sldId id="285" r:id="rId8"/>
+    <p:sldId id="337" r:id="rId2"/>
+    <p:sldId id="338" r:id="rId3"/>
+    <p:sldId id="339" r:id="rId4"/>
+    <p:sldId id="346" r:id="rId5"/>
+    <p:sldId id="340" r:id="rId6"/>
+    <p:sldId id="344" r:id="rId7"/>
+    <p:sldId id="345" r:id="rId8"/>
     <p:sldId id="331" r:id="rId9"/>
     <p:sldId id="333" r:id="rId10"/>
     <p:sldId id="336" r:id="rId11"/>
-    <p:sldId id="289" r:id="rId12"/>
   </p:sldIdLst>
   <p:sldSz cx="9144000" cy="5143500" type="screen16x9"/>
   <p:notesSz cx="6858000" cy="9144000"/>
@@ -120,6 +119,36 @@
       </a:defRPr>
     </a:lvl9pPr>
   </p:defaultTextStyle>
+  <p:extLst>
+    <p:ext uri="{EFAFB233-063F-42B5-8137-9DF3F51BA10A}">
+      <p15:sldGuideLst xmlns:p15="http://schemas.microsoft.com/office/powerpoint/2012/main">
+        <p15:guide id="1" orient="horz" pos="1620">
+          <p15:clr>
+            <a:srgbClr val="A4A3A4"/>
+          </p15:clr>
+        </p15:guide>
+        <p15:guide id="2" pos="2880">
+          <p15:clr>
+            <a:srgbClr val="A4A3A4"/>
+          </p15:clr>
+        </p15:guide>
+      </p15:sldGuideLst>
+    </p:ext>
+    <p:ext uri="{2D200454-40CA-4A62-9FC3-DE9A4176ACB9}">
+      <p15:notesGuideLst xmlns:p15="http://schemas.microsoft.com/office/powerpoint/2012/main">
+        <p15:guide id="1" orient="horz" pos="2880">
+          <p15:clr>
+            <a:srgbClr val="A4A3A4"/>
+          </p15:clr>
+        </p15:guide>
+        <p15:guide id="2" pos="2160">
+          <p15:clr>
+            <a:srgbClr val="A4A3A4"/>
+          </p15:clr>
+        </p15:guide>
+      </p15:notesGuideLst>
+    </p:ext>
+  </p:extLst>
 </p:presentation>
 </file>
 
@@ -206,7 +235,7 @@
             <a:fld id="{742E545A-AB39-44F0-B5A6-04A90C6C9399}" type="datetimeFigureOut">
               <a:rPr lang="en-GB" smtClean="0"/>
               <a:pPr/>
-              <a:t>04/02/2021</a:t>
+              <a:t>14/11/2024</a:t>
             </a:fld>
             <a:endParaRPr lang="en-GB"/>
           </a:p>
@@ -280,6 +309,11 @@
         </p:txBody>
       </p:sp>
     </p:spTree>
+    <p:extLst>
+      <p:ext uri="{BB962C8B-B14F-4D97-AF65-F5344CB8AC3E}">
+        <p14:creationId xmlns:p14="http://schemas.microsoft.com/office/powerpoint/2010/main" val="1825100405"/>
+      </p:ext>
+    </p:extLst>
   </p:cSld>
   <p:clrMap bg1="lt1" tx1="dk1" bg2="lt2" tx2="dk2" accent1="accent1" accent2="accent2" accent3="accent3" accent4="accent4" accent5="accent5" accent6="accent6" hlink="hlink" folHlink="folHlink"/>
 </p:handoutMaster>
@@ -368,7 +402,7 @@
             <a:fld id="{FF100B3C-2E11-428B-8555-A77018253716}" type="datetimeFigureOut">
               <a:rPr lang="en-GB" smtClean="0"/>
               <a:pPr/>
-              <a:t>04/02/2021</a:t>
+              <a:t>14/11/2024</a:t>
             </a:fld>
             <a:endParaRPr lang="en-GB"/>
           </a:p>
@@ -537,6 +571,11 @@
         </p:txBody>
       </p:sp>
     </p:spTree>
+    <p:extLst>
+      <p:ext uri="{BB962C8B-B14F-4D97-AF65-F5344CB8AC3E}">
+        <p14:creationId xmlns:p14="http://schemas.microsoft.com/office/powerpoint/2010/main" val="4069604243"/>
+      </p:ext>
+    </p:extLst>
   </p:cSld>
   <p:clrMap bg1="lt1" tx1="dk1" bg2="lt2" tx2="dk2" accent1="accent1" accent2="accent2" accent3="accent3" accent4="accent4" accent5="accent5" accent6="accent6" hlink="hlink" folHlink="folHlink"/>
   <p:notesStyle>
@@ -816,7 +855,7 @@
             <a:fld id="{C473AACB-D821-4991-9D88-46EB8D29E619}" type="datetimeFigureOut">
               <a:rPr lang="en-GB" smtClean="0"/>
               <a:pPr/>
-              <a:t>04/02/2021</a:t>
+              <a:t>14/11/2024</a:t>
             </a:fld>
             <a:endParaRPr lang="en-GB" dirty="0"/>
           </a:p>
@@ -984,7 +1023,7 @@
             <a:fld id="{C473AACB-D821-4991-9D88-46EB8D29E619}" type="datetimeFigureOut">
               <a:rPr lang="en-GB" smtClean="0"/>
               <a:pPr/>
-              <a:t>04/02/2021</a:t>
+              <a:t>14/11/2024</a:t>
             </a:fld>
             <a:endParaRPr lang="en-GB" dirty="0"/>
           </a:p>
@@ -1162,7 +1201,7 @@
             <a:fld id="{C473AACB-D821-4991-9D88-46EB8D29E619}" type="datetimeFigureOut">
               <a:rPr lang="en-GB" smtClean="0"/>
               <a:pPr/>
-              <a:t>04/02/2021</a:t>
+              <a:t>14/11/2024</a:t>
             </a:fld>
             <a:endParaRPr lang="en-GB" dirty="0"/>
           </a:p>
@@ -1330,7 +1369,7 @@
             <a:fld id="{C473AACB-D821-4991-9D88-46EB8D29E619}" type="datetimeFigureOut">
               <a:rPr lang="en-GB" smtClean="0"/>
               <a:pPr/>
-              <a:t>04/02/2021</a:t>
+              <a:t>14/11/2024</a:t>
             </a:fld>
             <a:endParaRPr lang="en-GB" dirty="0"/>
           </a:p>
@@ -1574,7 +1613,7 @@
             <a:fld id="{C473AACB-D821-4991-9D88-46EB8D29E619}" type="datetimeFigureOut">
               <a:rPr lang="en-GB" smtClean="0"/>
               <a:pPr/>
-              <a:t>04/02/2021</a:t>
+              <a:t>14/11/2024</a:t>
             </a:fld>
             <a:endParaRPr lang="en-GB" dirty="0"/>
           </a:p>
@@ -1860,7 +1899,7 @@
             <a:fld id="{C473AACB-D821-4991-9D88-46EB8D29E619}" type="datetimeFigureOut">
               <a:rPr lang="en-GB" smtClean="0"/>
               <a:pPr/>
-              <a:t>04/02/2021</a:t>
+              <a:t>14/11/2024</a:t>
             </a:fld>
             <a:endParaRPr lang="en-GB" dirty="0"/>
           </a:p>
@@ -2285,7 +2324,7 @@
             <a:fld id="{C473AACB-D821-4991-9D88-46EB8D29E619}" type="datetimeFigureOut">
               <a:rPr lang="en-GB" smtClean="0"/>
               <a:pPr/>
-              <a:t>04/02/2021</a:t>
+              <a:t>14/11/2024</a:t>
             </a:fld>
             <a:endParaRPr lang="en-GB" dirty="0"/>
           </a:p>
@@ -2401,7 +2440,7 @@
             <a:fld id="{C473AACB-D821-4991-9D88-46EB8D29E619}" type="datetimeFigureOut">
               <a:rPr lang="en-GB" smtClean="0"/>
               <a:pPr/>
-              <a:t>04/02/2021</a:t>
+              <a:t>14/11/2024</a:t>
             </a:fld>
             <a:endParaRPr lang="en-GB" dirty="0"/>
           </a:p>
@@ -2494,7 +2533,7 @@
             <a:fld id="{C473AACB-D821-4991-9D88-46EB8D29E619}" type="datetimeFigureOut">
               <a:rPr lang="en-GB" smtClean="0"/>
               <a:pPr/>
-              <a:t>04/02/2021</a:t>
+              <a:t>14/11/2024</a:t>
             </a:fld>
             <a:endParaRPr lang="en-GB" dirty="0"/>
           </a:p>
@@ -2769,7 +2808,7 @@
             <a:fld id="{C473AACB-D821-4991-9D88-46EB8D29E619}" type="datetimeFigureOut">
               <a:rPr lang="en-GB" smtClean="0"/>
               <a:pPr/>
-              <a:t>04/02/2021</a:t>
+              <a:t>14/11/2024</a:t>
             </a:fld>
             <a:endParaRPr lang="en-GB" dirty="0"/>
           </a:p>
@@ -3020,7 +3059,7 @@
             <a:fld id="{C473AACB-D821-4991-9D88-46EB8D29E619}" type="datetimeFigureOut">
               <a:rPr lang="en-GB" smtClean="0"/>
               <a:pPr/>
-              <a:t>04/02/2021</a:t>
+              <a:t>14/11/2024</a:t>
             </a:fld>
             <a:endParaRPr lang="en-GB" dirty="0"/>
           </a:p>
@@ -3231,7 +3270,7 @@
             <a:fld id="{C473AACB-D821-4991-9D88-46EB8D29E619}" type="datetimeFigureOut">
               <a:rPr lang="en-GB" smtClean="0"/>
               <a:pPr/>
-              <a:t>04/02/2021</a:t>
+              <a:t>14/11/2024</a:t>
             </a:fld>
             <a:endParaRPr lang="en-GB" dirty="0"/>
           </a:p>
@@ -3622,7 +3661,7 @@
           <a:p>
             <a:r>
               <a:rPr lang="en-GB" dirty="0" smtClean="0"/>
-              <a:t>Great Cow BASIC</a:t>
+              <a:t>GCBASIC</a:t>
             </a:r>
             <a:br>
               <a:rPr lang="en-GB" dirty="0" smtClean="0"/>
@@ -3633,7 +3672,19 @@
             </a:r>
             <a:r>
               <a:rPr lang="en-GB" dirty="0" smtClean="0"/>
-              <a:t>19</a:t>
+              <a:t>20</a:t>
+            </a:r>
+            <a:r>
+              <a:rPr lang="en-GB" dirty="0" smtClean="0"/>
+              <a:t> </a:t>
+            </a:r>
+            <a:r>
+              <a:rPr lang="en-GB" dirty="0" smtClean="0"/>
+              <a:t>– </a:t>
+            </a:r>
+            <a:r>
+              <a:rPr lang="en-GB" dirty="0" smtClean="0"/>
+              <a:t>Summary</a:t>
             </a:r>
             <a:endParaRPr lang="en-GB" dirty="0"/>
           </a:p>
@@ -3663,7 +3714,7 @@
           <a:p>
             <a:r>
               <a:rPr lang="en-GB" dirty="0" smtClean="0"/>
-              <a:t>Great Cow BASIC  for the PIC18FxxQ41 chip Family</a:t>
+              <a:t>GCBASIC  for the PIC18FxxQ20 chip Family</a:t>
             </a:r>
             <a:endParaRPr lang="en-GB" dirty="0"/>
           </a:p>
@@ -3679,7 +3730,7 @@
             <a:pPr algn="l"/>
             <a:r>
               <a:rPr lang="en-GB" sz="1700" dirty="0" smtClean="0"/>
-              <a:t>January 2021</a:t>
+              <a:t>November 2024</a:t>
             </a:r>
             <a:endParaRPr lang="en-GB" sz="1700" dirty="0"/>
           </a:p>
@@ -3743,47 +3794,20 @@
       </p:sp>
       <p:pic>
         <p:nvPicPr>
-          <p:cNvPr id="10241" name="Picture 1"/>
+          <p:cNvPr id="8" name="Picture 2" descr="PIC18F16Q20-G6X-Regular"/>
           <p:cNvPicPr>
             <a:picLocks noChangeAspect="1" noChangeArrowheads="1"/>
           </p:cNvPicPr>
           <p:nvPr/>
         </p:nvPicPr>
         <p:blipFill>
-          <a:blip r:embed="rId3" cstate="print"/>
-          <a:srcRect l="8600" t="14166" r="7684" b="8911"/>
-          <a:stretch>
-            <a:fillRect/>
-          </a:stretch>
-        </p:blipFill>
-        <p:spPr bwMode="auto">
-          <a:xfrm>
-            <a:off x="179512" y="238691"/>
-            <a:ext cx="2448272" cy="1296144"/>
-          </a:xfrm>
-          <a:prstGeom prst="rect">
-            <a:avLst/>
-          </a:prstGeom>
-          <a:noFill/>
-          <a:ln w="9525">
-            <a:noFill/>
-            <a:miter lim="800000"/>
-            <a:headEnd/>
-            <a:tailEnd/>
-          </a:ln>
-          <a:effectLst/>
-        </p:spPr>
-      </p:pic>
-      <p:pic>
-        <p:nvPicPr>
-          <p:cNvPr id="10242" name="Picture 2"/>
-          <p:cNvPicPr>
-            <a:picLocks noChangeAspect="1" noChangeArrowheads="1"/>
-          </p:cNvPicPr>
-          <p:nvPr/>
-        </p:nvPicPr>
-        <p:blipFill>
-          <a:blip r:embed="rId4" cstate="print"/>
+          <a:blip r:embed="rId3" cstate="print">
+            <a:extLst>
+              <a:ext uri="{28A0092B-C50C-407E-A947-70E740481C1C}">
+                <a14:useLocalDpi xmlns:a14="http://schemas.microsoft.com/office/drawing/2010/main" val="0"/>
+              </a:ext>
+            </a:extLst>
+          </a:blip>
           <a:srcRect/>
           <a:stretch>
             <a:fillRect/>
@@ -3791,23 +3815,60 @@
         </p:blipFill>
         <p:spPr bwMode="auto">
           <a:xfrm>
-            <a:off x="6876256" y="3363839"/>
-            <a:ext cx="1928242" cy="1429653"/>
+            <a:off x="184043" y="195486"/>
+            <a:ext cx="2327055" cy="1303151"/>
           </a:xfrm>
           <a:prstGeom prst="rect">
             <a:avLst/>
           </a:prstGeom>
           <a:noFill/>
-          <a:ln w="9525">
-            <a:noFill/>
-            <a:miter lim="800000"/>
-            <a:headEnd/>
-            <a:tailEnd/>
-          </a:ln>
-          <a:effectLst/>
+          <a:extLst>
+            <a:ext uri="{909E8E84-426E-40DD-AFC4-6F175D3DCCD1}">
+              <a14:hiddenFill xmlns:a14="http://schemas.microsoft.com/office/drawing/2010/main">
+                <a:solidFill>
+                  <a:srgbClr val="FFFFFF"/>
+                </a:solidFill>
+              </a14:hiddenFill>
+            </a:ext>
+          </a:extLst>
+        </p:spPr>
+      </p:pic>
+      <p:pic>
+        <p:nvPicPr>
+          <p:cNvPr id="9" name="Picture 8"/>
+          <p:cNvPicPr>
+            <a:picLocks noChangeAspect="1"/>
+          </p:cNvPicPr>
+          <p:nvPr/>
+        </p:nvPicPr>
+        <p:blipFill>
+          <a:blip r:embed="rId4" cstate="print">
+            <a:extLst>
+              <a:ext uri="{28A0092B-C50C-407E-A947-70E740481C1C}">
+                <a14:useLocalDpi xmlns:a14="http://schemas.microsoft.com/office/drawing/2010/main" val="0"/>
+              </a:ext>
+            </a:extLst>
+          </a:blip>
+          <a:stretch>
+            <a:fillRect/>
+          </a:stretch>
+        </p:blipFill>
+        <p:spPr>
+          <a:xfrm>
+            <a:off x="7311129" y="3435846"/>
+            <a:ext cx="1682644" cy="1610077"/>
+          </a:xfrm>
+          <a:prstGeom prst="rect">
+            <a:avLst/>
+          </a:prstGeom>
         </p:spPr>
       </p:pic>
     </p:spTree>
+    <p:extLst>
+      <p:ext uri="{BB962C8B-B14F-4D97-AF65-F5344CB8AC3E}">
+        <p14:creationId xmlns:p14="http://schemas.microsoft.com/office/powerpoint/2010/main" val="3962841978"/>
+      </p:ext>
+    </p:extLst>
   </p:cSld>
   <p:clrMapOvr>
     <a:masterClrMapping/>
@@ -3893,21 +3954,26 @@
           <a:p>
             <a:r>
               <a:rPr lang="en-GB" dirty="0" smtClean="0"/>
-              <a:t>Great Cow BASIC supports the PIC18-Q41 </a:t>
-            </a:r>
-          </a:p>
-          <a:p>
+              <a:t>GCBASIC </a:t>
+            </a:r>
+            <a:r>
+              <a:rPr lang="en-GB" dirty="0" smtClean="0"/>
+              <a:t>supports the </a:t>
+            </a:r>
+            <a:r>
+              <a:rPr lang="en-GB" dirty="0" smtClean="0"/>
+              <a:t>PIC18-Q20</a:t>
+            </a:r>
             <a:endParaRPr lang="en-GB" dirty="0" smtClean="0"/>
           </a:p>
           <a:p>
+            <a:endParaRPr lang="en-GB" dirty="0" smtClean="0"/>
+          </a:p>
+          <a:p>
             <a:pPr lvl="1"/>
             <a:r>
               <a:rPr lang="en-GB" dirty="0" smtClean="0"/>
-              <a:t>Digital </a:t>
-            </a:r>
-            <a:r>
-              <a:rPr lang="en-GB" dirty="0" smtClean="0"/>
-              <a:t>and </a:t>
+              <a:t>Digital and </a:t>
             </a:r>
             <a:r>
               <a:rPr lang="en-GB" dirty="0" err="1" smtClean="0"/>
@@ -3959,7 +4025,11 @@
           <a:p>
             <a:r>
               <a:rPr lang="en-GB" dirty="0" smtClean="0"/>
-              <a:t>Great Cow BASIC supports multiple 32/64 bit operating  systems and integrates with MPLAB-X</a:t>
+              <a:t>GCBASIC </a:t>
+            </a:r>
+            <a:r>
+              <a:rPr lang="en-GB" dirty="0" smtClean="0"/>
+              <a:t>supports multiple 32/64 bit operating  systems and integrates with MPLAB-X</a:t>
             </a:r>
           </a:p>
           <a:p>
@@ -3969,149 +4039,20 @@
       </p:sp>
       <p:pic>
         <p:nvPicPr>
-          <p:cNvPr id="4" name="Picture 1"/>
+          <p:cNvPr id="5" name="Picture 2" descr="PIC18F16Q20-G6X-Regular"/>
           <p:cNvPicPr>
             <a:picLocks noChangeAspect="1" noChangeArrowheads="1"/>
           </p:cNvPicPr>
           <p:nvPr/>
         </p:nvPicPr>
         <p:blipFill>
-          <a:blip r:embed="rId2" cstate="print"/>
-          <a:srcRect l="8600" t="14166" r="7684" b="8911"/>
-          <a:stretch>
-            <a:fillRect/>
-          </a:stretch>
-        </p:blipFill>
-        <p:spPr bwMode="auto">
-          <a:xfrm>
-            <a:off x="6300193" y="1275606"/>
-            <a:ext cx="2448272" cy="1296144"/>
-          </a:xfrm>
-          <a:prstGeom prst="rect">
-            <a:avLst/>
-          </a:prstGeom>
-          <a:noFill/>
-          <a:ln w="9525">
-            <a:noFill/>
-            <a:miter lim="800000"/>
-            <a:headEnd/>
-            <a:tailEnd/>
-          </a:ln>
-          <a:effectLst/>
-        </p:spPr>
-      </p:pic>
-    </p:spTree>
-  </p:cSld>
-  <p:clrMapOvr>
-    <a:masterClrMapping/>
-  </p:clrMapOvr>
-  <p:transition advClick="0"/>
-  <p:timing>
-    <p:tnLst>
-      <p:par>
-        <p:cTn id="1" dur="indefinite" restart="never" nodeType="tmRoot"/>
-      </p:par>
-    </p:tnLst>
-  </p:timing>
-</p:sld>
-</file>
-
-<file path=ppt/slides/slide11.xml><?xml version="1.0" encoding="utf-8"?>
-<p:sld xmlns:a="http://schemas.openxmlformats.org/drawingml/2006/main" xmlns:r="http://schemas.openxmlformats.org/officeDocument/2006/relationships" xmlns:p="http://schemas.openxmlformats.org/presentationml/2006/main">
-  <p:cSld>
-    <p:spTree>
-      <p:nvGrpSpPr>
-        <p:cNvPr id="1" name=""/>
-        <p:cNvGrpSpPr/>
-        <p:nvPr/>
-      </p:nvGrpSpPr>
-      <p:grpSpPr>
-        <a:xfrm>
-          <a:off x="0" y="0"/>
-          <a:ext cx="0" cy="0"/>
-          <a:chOff x="0" y="0"/>
-          <a:chExt cx="0" cy="0"/>
-        </a:xfrm>
-      </p:grpSpPr>
-      <p:sp>
-        <p:nvSpPr>
-          <p:cNvPr id="2" name="Title 1"/>
-          <p:cNvSpPr>
-            <a:spLocks noGrp="1"/>
-          </p:cNvSpPr>
-          <p:nvPr>
-            <p:ph type="ctrTitle"/>
-          </p:nvPr>
-        </p:nvSpPr>
-        <p:spPr/>
-        <p:txBody>
-          <a:bodyPr/>
-          <a:lstStyle/>
-          <a:p>
-            <a:r>
-              <a:rPr lang="en-GB" dirty="0" smtClean="0"/>
-              <a:t>Great Cow BASIC</a:t>
-            </a:r>
-            <a:endParaRPr lang="en-GB" dirty="0"/>
-          </a:p>
-        </p:txBody>
-      </p:sp>
-      <p:sp>
-        <p:nvSpPr>
-          <p:cNvPr id="3" name="Subtitle 2"/>
-          <p:cNvSpPr>
-            <a:spLocks noGrp="1"/>
-          </p:cNvSpPr>
-          <p:nvPr>
-            <p:ph type="subTitle" idx="1"/>
-          </p:nvPr>
-        </p:nvSpPr>
-        <p:spPr>
-          <a:xfrm>
-            <a:off x="251520" y="2931790"/>
-            <a:ext cx="8784976" cy="1925352"/>
-          </a:xfrm>
-        </p:spPr>
-        <p:txBody>
-          <a:bodyPr>
-            <a:normAutofit lnSpcReduction="10000"/>
-          </a:bodyPr>
-          <a:lstStyle/>
-          <a:p>
-            <a:r>
-              <a:rPr lang="en-GB" dirty="0" smtClean="0"/>
-              <a:t>Great Cow BASIC  for the PIC18FxxQ41 chip Family</a:t>
-            </a:r>
-            <a:endParaRPr lang="en-GB" dirty="0"/>
-          </a:p>
-          <a:p>
-            <a:pPr algn="l"/>
-            <a:endParaRPr lang="en-GB" dirty="0" smtClean="0"/>
-          </a:p>
-          <a:p>
-            <a:pPr algn="l"/>
-            <a:endParaRPr lang="en-GB" dirty="0"/>
-          </a:p>
-          <a:p>
-            <a:pPr algn="l"/>
-            <a:r>
-              <a:rPr lang="en-GB" sz="1700" dirty="0" smtClean="0"/>
-              <a:t>January 2021</a:t>
-            </a:r>
-            <a:endParaRPr lang="en-GB" sz="1700" dirty="0"/>
-          </a:p>
-        </p:txBody>
-      </p:sp>
-      <p:pic>
-        <p:nvPicPr>
-          <p:cNvPr id="1026" name="Picture 2" descr="D:\Build\AnobiumTransparent.jpg"/>
-          <p:cNvPicPr>
-            <a:picLocks noChangeAspect="1" noChangeArrowheads="1"/>
-          </p:cNvPicPr>
-          <p:nvPr/>
-        </p:nvPicPr>
-        <p:blipFill>
-          <a:blip r:embed="rId2" cstate="print"/>
+          <a:blip r:embed="rId2" cstate="print">
+            <a:extLst>
+              <a:ext uri="{28A0092B-C50C-407E-A947-70E740481C1C}">
+                <a14:useLocalDpi xmlns:a14="http://schemas.microsoft.com/office/drawing/2010/main" val="0"/>
+              </a:ext>
+            </a:extLst>
+          </a:blip>
           <a:srcRect/>
           <a:stretch>
             <a:fillRect/>
@@ -4119,45 +4060,24 @@
         </p:blipFill>
         <p:spPr bwMode="auto">
           <a:xfrm>
-            <a:off x="7315149" y="0"/>
-            <a:ext cx="1828859" cy="771550"/>
+            <a:off x="5796136" y="1475271"/>
+            <a:ext cx="2327055" cy="1303151"/>
           </a:xfrm>
           <a:prstGeom prst="rect">
             <a:avLst/>
           </a:prstGeom>
           <a:noFill/>
+          <a:extLst>
+            <a:ext uri="{909E8E84-426E-40DD-AFC4-6F175D3DCCD1}">
+              <a14:hiddenFill xmlns:a14="http://schemas.microsoft.com/office/drawing/2010/main">
+                <a:solidFill>
+                  <a:srgbClr val="FFFFFF"/>
+                </a:solidFill>
+              </a14:hiddenFill>
+            </a:ext>
+          </a:extLst>
         </p:spPr>
       </p:pic>
-      <p:sp>
-        <p:nvSpPr>
-          <p:cNvPr id="4" name="AutoShape 2" descr="ICSP connection"/>
-          <p:cNvSpPr>
-            <a:spLocks noChangeAspect="1" noChangeArrowheads="1"/>
-          </p:cNvSpPr>
-          <p:nvPr/>
-        </p:nvSpPr>
-        <p:spPr bwMode="auto">
-          <a:xfrm>
-            <a:off x="155575" y="-144461"/>
-            <a:ext cx="304800" cy="304801"/>
-          </a:xfrm>
-          <a:prstGeom prst="rect">
-            <a:avLst/>
-          </a:prstGeom>
-          <a:noFill/>
-        </p:spPr>
-        <p:txBody>
-          <a:bodyPr vert="horz" wrap="square" lIns="85064" tIns="42531" rIns="85064" bIns="42531" numCol="1" anchor="t" anchorCtr="0" compatLnSpc="1">
-            <a:prstTxWarp prst="textNoShape">
-              <a:avLst/>
-            </a:prstTxWarp>
-          </a:bodyPr>
-          <a:lstStyle/>
-          <a:p>
-            <a:endParaRPr lang="en-GB" dirty="0"/>
-          </a:p>
-        </p:txBody>
-      </p:sp>
     </p:spTree>
   </p:cSld>
   <p:clrMapOvr>
@@ -4198,24 +4118,26 @@
             <a:spLocks noGrp="1"/>
           </p:cNvSpPr>
           <p:nvPr>
-            <p:ph type="title"/>
+            <p:ph type="ctrTitle"/>
           </p:nvPr>
         </p:nvSpPr>
-        <p:spPr>
-          <a:xfrm>
-            <a:off x="457202" y="-92546"/>
-            <a:ext cx="8229601" cy="857250"/>
-          </a:xfrm>
-        </p:spPr>
+        <p:spPr/>
         <p:txBody>
           <a:bodyPr>
-            <a:normAutofit/>
+            <a:normAutofit fontScale="90000"/>
           </a:bodyPr>
           <a:lstStyle/>
           <a:p>
             <a:r>
               <a:rPr lang="en-GB" dirty="0" smtClean="0"/>
-              <a:t>Tutorials...</a:t>
+              <a:t>GCBASIC</a:t>
+            </a:r>
+            <a:br>
+              <a:rPr lang="en-GB" dirty="0" smtClean="0"/>
+            </a:br>
+            <a:r>
+              <a:rPr lang="en-GB" dirty="0"/>
+              <a:t>Part 20 – Summary</a:t>
             </a:r>
             <a:endParaRPr lang="en-GB" dirty="0"/>
           </a:p>
@@ -4223,428 +4145,260 @@
       </p:sp>
       <p:sp>
         <p:nvSpPr>
-          <p:cNvPr id="3" name="Content Placeholder 2"/>
+          <p:cNvPr id="3" name="Subtitle 2"/>
           <p:cNvSpPr>
             <a:spLocks noGrp="1"/>
           </p:cNvSpPr>
           <p:nvPr>
-            <p:ph idx="1"/>
+            <p:ph type="subTitle" idx="1"/>
           </p:nvPr>
         </p:nvSpPr>
         <p:spPr>
           <a:xfrm>
-            <a:off x="467543" y="689050"/>
-            <a:ext cx="8229601" cy="3394472"/>
+            <a:off x="179513" y="2914650"/>
+            <a:ext cx="8784976" cy="1925352"/>
           </a:xfrm>
         </p:spPr>
         <p:txBody>
           <a:bodyPr>
-            <a:noAutofit/>
+            <a:normAutofit lnSpcReduction="10000"/>
           </a:bodyPr>
           <a:lstStyle/>
           <a:p>
-            <a:pPr marL="478483" indent="-478483">
-              <a:buFont typeface="+mj-lt"/>
-              <a:buAutoNum type="arabicPeriod"/>
-            </a:pPr>
-            <a:r>
-              <a:rPr lang="en-GB" sz="1100" dirty="0" smtClean="0"/>
-              <a:t>Install the </a:t>
-            </a:r>
-            <a:r>
-              <a:rPr lang="en-GB" sz="1100" b="1" dirty="0" smtClean="0"/>
-              <a:t>hardware</a:t>
-            </a:r>
-            <a:r>
-              <a:rPr lang="en-GB" sz="1100" dirty="0" smtClean="0"/>
-              <a:t> and make the board work – </a:t>
-            </a:r>
-            <a:r>
-              <a:rPr lang="en-GB" sz="1100" b="1" dirty="0" smtClean="0"/>
-              <a:t>three LED programs</a:t>
-            </a:r>
-          </a:p>
-          <a:p>
-            <a:pPr marL="478483" indent="-478483">
-              <a:buFont typeface="+mj-lt"/>
-              <a:buAutoNum type="arabicPeriod"/>
-            </a:pPr>
-            <a:r>
-              <a:rPr lang="en-GB" sz="1100" dirty="0" smtClean="0"/>
-              <a:t>Make  four LEDs flash in a </a:t>
-            </a:r>
-            <a:r>
-              <a:rPr lang="en-GB" sz="1100" b="1" dirty="0" smtClean="0"/>
-              <a:t>sequence</a:t>
-            </a:r>
-          </a:p>
-          <a:p>
-            <a:pPr marL="478483" indent="-478483">
-              <a:buFont typeface="+mj-lt"/>
-              <a:buAutoNum type="arabicPeriod"/>
-            </a:pPr>
-            <a:r>
-              <a:rPr lang="en-GB" sz="1100" dirty="0" smtClean="0"/>
-              <a:t>Set the LEDs to represent the value of </a:t>
-            </a:r>
-            <a:r>
-              <a:rPr lang="en-GB" sz="1100" b="1" dirty="0" smtClean="0"/>
-              <a:t>ADC</a:t>
-            </a:r>
-          </a:p>
-          <a:p>
-            <a:pPr marL="478483" indent="-478483">
-              <a:buFont typeface="+mj-lt"/>
-              <a:buAutoNum type="arabicPeriod"/>
-            </a:pPr>
-            <a:r>
-              <a:rPr lang="en-GB" sz="1100" dirty="0" smtClean="0"/>
-              <a:t>Sequence the LEDs with a </a:t>
-            </a:r>
-            <a:r>
-              <a:rPr lang="en-GB" sz="1100" b="1" dirty="0" smtClean="0"/>
-              <a:t>delay</a:t>
-            </a:r>
-            <a:r>
-              <a:rPr lang="en-GB" sz="1100" dirty="0" smtClean="0"/>
-              <a:t> using the value of ADC</a:t>
-            </a:r>
-          </a:p>
-          <a:p>
-            <a:pPr marL="478483" indent="-478483">
-              <a:buFont typeface="+mj-lt"/>
-              <a:buAutoNum type="arabicPeriod"/>
-            </a:pPr>
-            <a:r>
-              <a:rPr lang="en-GB" sz="1100" dirty="0" smtClean="0"/>
-              <a:t>Using an </a:t>
-            </a:r>
-            <a:r>
-              <a:rPr lang="en-GB" sz="1100" b="1" dirty="0" smtClean="0"/>
-              <a:t>input</a:t>
-            </a:r>
-            <a:r>
-              <a:rPr lang="en-GB" sz="1100" dirty="0" smtClean="0"/>
-              <a:t> to set the state of the LEDs</a:t>
-            </a:r>
-          </a:p>
-          <a:p>
-            <a:pPr marL="478483" indent="-478483">
-              <a:buFont typeface="+mj-lt"/>
-              <a:buAutoNum type="arabicPeriod"/>
-            </a:pPr>
-            <a:r>
-              <a:rPr lang="en-GB" sz="1100" dirty="0" smtClean="0"/>
-              <a:t>Using the </a:t>
-            </a:r>
-            <a:r>
-              <a:rPr lang="en-GB" sz="1100" b="1" dirty="0" smtClean="0"/>
-              <a:t>reset </a:t>
-            </a:r>
-            <a:r>
-              <a:rPr lang="en-GB" sz="1100" dirty="0" smtClean="0"/>
-              <a:t>switch</a:t>
-            </a:r>
-          </a:p>
-          <a:p>
-            <a:pPr marL="478483" indent="-478483">
-              <a:buFont typeface="+mj-lt"/>
-              <a:buAutoNum type="arabicPeriod"/>
-            </a:pPr>
-            <a:r>
-              <a:rPr lang="en-GB" sz="1100" dirty="0" smtClean="0"/>
-              <a:t>Using the </a:t>
-            </a:r>
-            <a:r>
-              <a:rPr lang="en-GB" sz="1100" b="1" dirty="0" smtClean="0"/>
-              <a:t>switch</a:t>
-            </a:r>
-            <a:r>
-              <a:rPr lang="en-GB" sz="1100" dirty="0" smtClean="0"/>
-              <a:t>, </a:t>
-            </a:r>
-            <a:r>
-              <a:rPr lang="en-GB" sz="1100" b="1" dirty="0" smtClean="0"/>
-              <a:t>ADC </a:t>
-            </a:r>
-            <a:r>
-              <a:rPr lang="en-GB" sz="1100" dirty="0" smtClean="0"/>
-              <a:t>– the </a:t>
-            </a:r>
-            <a:r>
-              <a:rPr lang="en-GB" sz="1100" b="1" dirty="0" smtClean="0"/>
-              <a:t>LEDs </a:t>
-            </a:r>
-            <a:r>
-              <a:rPr lang="en-GB" sz="1100" dirty="0" smtClean="0"/>
-              <a:t>flash in a sequence with reverse</a:t>
-            </a:r>
-          </a:p>
-          <a:p>
-            <a:pPr marL="478483" indent="-478483">
-              <a:buFont typeface="+mj-lt"/>
-              <a:buAutoNum type="arabicPeriod"/>
-            </a:pPr>
-            <a:r>
-              <a:rPr lang="en-GB" sz="1100" dirty="0" smtClean="0"/>
-              <a:t>Using the </a:t>
-            </a:r>
-            <a:r>
-              <a:rPr lang="en-GB" sz="1100" b="1" dirty="0" smtClean="0"/>
-              <a:t>serial</a:t>
-            </a:r>
-            <a:r>
-              <a:rPr lang="en-GB" sz="1100" dirty="0" smtClean="0"/>
-              <a:t> to display values</a:t>
-            </a:r>
-          </a:p>
-          <a:p>
-            <a:pPr marL="478483" indent="-478483">
-              <a:buFont typeface="+mj-lt"/>
-              <a:buAutoNum type="arabicPeriod"/>
-            </a:pPr>
-            <a:r>
-              <a:rPr lang="en-GB" sz="1100" dirty="0" smtClean="0"/>
-              <a:t>Using the </a:t>
-            </a:r>
-            <a:r>
-              <a:rPr lang="en-GB" sz="1100" b="1" dirty="0" smtClean="0"/>
-              <a:t>timer0</a:t>
-            </a:r>
-            <a:r>
-              <a:rPr lang="en-GB" sz="1100" dirty="0" smtClean="0"/>
-              <a:t> overflow, 8bit timer, 16bit timer to flash the LEDs</a:t>
-            </a:r>
-          </a:p>
-          <a:p>
-            <a:pPr marL="478483" indent="-478483">
-              <a:buFont typeface="+mj-lt"/>
-              <a:buAutoNum type="arabicPeriod"/>
-            </a:pPr>
-            <a:r>
-              <a:rPr lang="en-GB" sz="1100" dirty="0" smtClean="0"/>
-              <a:t>Using CCP/</a:t>
-            </a:r>
-            <a:r>
-              <a:rPr lang="en-GB" sz="1100" b="1" dirty="0" smtClean="0"/>
-              <a:t>PWM</a:t>
-            </a:r>
-            <a:r>
-              <a:rPr lang="en-GB" sz="1100" dirty="0" smtClean="0"/>
-              <a:t> to dim the LEDS</a:t>
-            </a:r>
-          </a:p>
-          <a:p>
-            <a:pPr marL="478483" indent="-478483">
-              <a:buFont typeface="+mj-lt"/>
-              <a:buAutoNum type="arabicPeriod"/>
-            </a:pPr>
-            <a:r>
-              <a:rPr lang="en-GB" sz="1100" dirty="0" smtClean="0"/>
-              <a:t>Using </a:t>
-            </a:r>
-            <a:r>
-              <a:rPr lang="en-GB" sz="1100" b="1" dirty="0" smtClean="0"/>
-              <a:t>I2C</a:t>
-            </a:r>
-            <a:r>
-              <a:rPr lang="en-GB" sz="1100" dirty="0" smtClean="0"/>
-              <a:t> with serial to discover I2C devices</a:t>
-            </a:r>
-          </a:p>
-          <a:p>
-            <a:pPr marL="478483" indent="-478483">
-              <a:buFont typeface="+mj-lt"/>
-              <a:buAutoNum type="arabicPeriod"/>
-            </a:pPr>
-            <a:r>
-              <a:rPr lang="en-GB" sz="1100" dirty="0" smtClean="0"/>
-              <a:t>Using </a:t>
-            </a:r>
-            <a:r>
-              <a:rPr lang="en-GB" sz="1100" b="1" dirty="0" err="1" smtClean="0"/>
-              <a:t>EEProm</a:t>
-            </a:r>
-            <a:r>
-              <a:rPr lang="en-GB" sz="1100" dirty="0" smtClean="0"/>
-              <a:t> – showing values on the serial terminal</a:t>
-            </a:r>
-          </a:p>
-          <a:p>
-            <a:pPr marL="478483" indent="-478483">
-              <a:buFont typeface="+mj-lt"/>
-              <a:buAutoNum type="arabicPeriod"/>
-            </a:pPr>
-            <a:r>
-              <a:rPr lang="en-GB" sz="1100" dirty="0" smtClean="0"/>
-              <a:t>Using an </a:t>
-            </a:r>
-            <a:r>
-              <a:rPr lang="en-GB" sz="1100" b="1" dirty="0" smtClean="0"/>
-              <a:t>I2C GCLD </a:t>
-            </a:r>
-            <a:r>
-              <a:rPr lang="en-GB" sz="1100" dirty="0" smtClean="0"/>
-              <a:t>display</a:t>
-            </a:r>
-          </a:p>
-          <a:p>
-            <a:pPr marL="478483" indent="-478483">
-              <a:buFont typeface="+mj-lt"/>
-              <a:buAutoNum type="arabicPeriod"/>
-            </a:pPr>
-            <a:r>
-              <a:rPr lang="en-GB" sz="1100" dirty="0" smtClean="0"/>
-              <a:t>Using an </a:t>
-            </a:r>
-            <a:r>
-              <a:rPr lang="en-GB" sz="1100" b="1" dirty="0" smtClean="0"/>
-              <a:t>SPI GCLD </a:t>
-            </a:r>
-            <a:r>
-              <a:rPr lang="en-GB" sz="1100" dirty="0" smtClean="0"/>
-              <a:t>display</a:t>
-            </a:r>
-          </a:p>
-          <a:p>
-            <a:pPr marL="478483" indent="-478483">
-              <a:buFont typeface="+mj-lt"/>
-              <a:buAutoNum type="arabicPeriod"/>
-            </a:pPr>
-            <a:r>
-              <a:rPr lang="en-GB" sz="1100" dirty="0" smtClean="0"/>
-              <a:t>Using </a:t>
-            </a:r>
-            <a:r>
-              <a:rPr lang="en-GB" sz="1100" b="1" dirty="0" smtClean="0"/>
-              <a:t>PWM</a:t>
-            </a:r>
-            <a:r>
-              <a:rPr lang="en-GB" sz="1100" dirty="0" smtClean="0"/>
-              <a:t> to dim the LEDS</a:t>
-            </a:r>
-          </a:p>
-          <a:p>
-            <a:pPr marL="478483" indent="-478483">
-              <a:buFont typeface="+mj-lt"/>
-              <a:buAutoNum type="arabicPeriod"/>
-            </a:pPr>
-            <a:r>
-              <a:rPr lang="en-GB" sz="1100" dirty="0" smtClean="0"/>
-              <a:t>Using memory within the PIC – </a:t>
-            </a:r>
-            <a:r>
-              <a:rPr lang="en-GB" sz="1100" b="1" dirty="0" err="1" smtClean="0"/>
-              <a:t>Progmem</a:t>
-            </a:r>
-            <a:r>
-              <a:rPr lang="en-GB" sz="1100" b="1" dirty="0" smtClean="0"/>
-              <a:t> </a:t>
-            </a:r>
-            <a:r>
-              <a:rPr lang="en-GB" sz="1100" dirty="0" smtClean="0"/>
-              <a:t>and</a:t>
-            </a:r>
-            <a:r>
-              <a:rPr lang="en-GB" sz="1100" b="1" dirty="0" smtClean="0"/>
-              <a:t> SAF memory</a:t>
-            </a:r>
-          </a:p>
-          <a:p>
-            <a:pPr marL="478483" indent="-478483">
-              <a:buFont typeface="+mj-lt"/>
-              <a:buAutoNum type="arabicPeriod"/>
-            </a:pPr>
-            <a:r>
-              <a:rPr lang="en-GB" sz="1100" dirty="0" smtClean="0"/>
-              <a:t>The Great Cow BASIC </a:t>
-            </a:r>
-            <a:r>
-              <a:rPr lang="en-GB" sz="1100" b="1" dirty="0" smtClean="0"/>
-              <a:t>tool chain</a:t>
-            </a:r>
-          </a:p>
-          <a:p>
-            <a:pPr marL="478483" indent="-478483">
-              <a:buFont typeface="+mj-lt"/>
-              <a:buAutoNum type="arabicPeriod"/>
-            </a:pPr>
-            <a:r>
-              <a:rPr lang="en-GB" sz="1100" dirty="0" smtClean="0"/>
-              <a:t>Assembly and alternatives </a:t>
-            </a:r>
-            <a:r>
-              <a:rPr lang="en-GB" sz="1100" b="1" dirty="0" smtClean="0"/>
-              <a:t>assemblers</a:t>
-            </a:r>
-          </a:p>
-          <a:p>
-            <a:pPr marL="478483" indent="-478483">
-              <a:buFont typeface="+mj-lt"/>
-              <a:buAutoNum type="arabicPeriod"/>
-            </a:pPr>
-            <a:r>
-              <a:rPr lang="en-GB" sz="1100" b="1" dirty="0" smtClean="0"/>
-              <a:t>Summary</a:t>
-            </a:r>
-          </a:p>
-          <a:p>
-            <a:pPr marL="478483" indent="-478483">
-              <a:buFont typeface="+mj-lt"/>
-              <a:buAutoNum type="arabicPeriod"/>
-            </a:pPr>
-            <a:endParaRPr lang="en-GB" sz="900" dirty="0" smtClean="0">
+            <a:r>
+              <a:rPr lang="en-GB" dirty="0" smtClean="0"/>
+              <a:t>GCBASIC  for the PIC18FxxQ20 chip Family</a:t>
+            </a:r>
+            <a:endParaRPr lang="en-GB" dirty="0"/>
+          </a:p>
+          <a:p>
+            <a:pPr algn="l"/>
+            <a:endParaRPr lang="en-GB" dirty="0" smtClean="0"/>
+          </a:p>
+          <a:p>
+            <a:pPr algn="l"/>
+            <a:endParaRPr lang="en-GB" dirty="0"/>
+          </a:p>
+          <a:p>
+            <a:pPr algn="l"/>
+            <a:r>
+              <a:rPr lang="en-GB" sz="1700" dirty="0" smtClean="0"/>
+              <a:t>November 2024</a:t>
+            </a:r>
+            <a:endParaRPr lang="en-GB" sz="1700" dirty="0"/>
+          </a:p>
+        </p:txBody>
+      </p:sp>
+      <p:pic>
+        <p:nvPicPr>
+          <p:cNvPr id="1026" name="Picture 2" descr="D:\Build\AnobiumTransparent.jpg"/>
+          <p:cNvPicPr>
+            <a:picLocks noChangeAspect="1" noChangeArrowheads="1"/>
+          </p:cNvPicPr>
+          <p:nvPr/>
+        </p:nvPicPr>
+        <p:blipFill>
+          <a:blip r:embed="rId2" cstate="print"/>
+          <a:srcRect/>
+          <a:stretch>
+            <a:fillRect/>
+          </a:stretch>
+        </p:blipFill>
+        <p:spPr bwMode="auto">
+          <a:xfrm>
+            <a:off x="7315149" y="0"/>
+            <a:ext cx="1828859" cy="771550"/>
+          </a:xfrm>
+          <a:prstGeom prst="rect">
+            <a:avLst/>
+          </a:prstGeom>
+          <a:noFill/>
+        </p:spPr>
+      </p:pic>
+      <p:sp>
+        <p:nvSpPr>
+          <p:cNvPr id="4" name="AutoShape 2" descr="ICSP connection"/>
+          <p:cNvSpPr>
+            <a:spLocks noChangeAspect="1" noChangeArrowheads="1"/>
+          </p:cNvSpPr>
+          <p:nvPr/>
+        </p:nvSpPr>
+        <p:spPr bwMode="auto">
+          <a:xfrm>
+            <a:off x="155575" y="-144461"/>
+            <a:ext cx="304800" cy="304801"/>
+          </a:xfrm>
+          <a:prstGeom prst="rect">
+            <a:avLst/>
+          </a:prstGeom>
+          <a:noFill/>
+        </p:spPr>
+        <p:txBody>
+          <a:bodyPr vert="horz" wrap="square" lIns="85064" tIns="42531" rIns="85064" bIns="42531" numCol="1" anchor="t" anchorCtr="0" compatLnSpc="1">
+            <a:prstTxWarp prst="textNoShape">
+              <a:avLst/>
+            </a:prstTxWarp>
+          </a:bodyPr>
+          <a:lstStyle/>
+          <a:p>
+            <a:endParaRPr lang="en-GB" dirty="0"/>
+          </a:p>
+        </p:txBody>
+      </p:sp>
+      <p:pic>
+        <p:nvPicPr>
+          <p:cNvPr id="8" name="Picture 2" descr="PIC18F16Q20-G6X-Regular"/>
+          <p:cNvPicPr>
+            <a:picLocks noChangeAspect="1" noChangeArrowheads="1"/>
+          </p:cNvPicPr>
+          <p:nvPr/>
+        </p:nvPicPr>
+        <p:blipFill>
+          <a:blip r:embed="rId3" cstate="print">
+            <a:extLst>
+              <a:ext uri="{28A0092B-C50C-407E-A947-70E740481C1C}">
+                <a14:useLocalDpi xmlns:a14="http://schemas.microsoft.com/office/drawing/2010/main" val="0"/>
+              </a:ext>
+            </a:extLst>
+          </a:blip>
+          <a:srcRect/>
+          <a:stretch>
+            <a:fillRect/>
+          </a:stretch>
+        </p:blipFill>
+        <p:spPr bwMode="auto">
+          <a:xfrm>
+            <a:off x="184043" y="195486"/>
+            <a:ext cx="2327055" cy="1303151"/>
+          </a:xfrm>
+          <a:prstGeom prst="rect">
+            <a:avLst/>
+          </a:prstGeom>
+          <a:noFill/>
+          <a:extLst>
+            <a:ext uri="{909E8E84-426E-40DD-AFC4-6F175D3DCCD1}">
+              <a14:hiddenFill xmlns:a14="http://schemas.microsoft.com/office/drawing/2010/main">
+                <a:solidFill>
+                  <a:srgbClr val="FFFFFF"/>
+                </a:solidFill>
+              </a14:hiddenFill>
+            </a:ext>
+          </a:extLst>
+        </p:spPr>
+      </p:pic>
+      <p:pic>
+        <p:nvPicPr>
+          <p:cNvPr id="9" name="Picture 8"/>
+          <p:cNvPicPr>
+            <a:picLocks noChangeAspect="1"/>
+          </p:cNvPicPr>
+          <p:nvPr/>
+        </p:nvPicPr>
+        <p:blipFill>
+          <a:blip r:embed="rId4" cstate="print">
+            <a:extLst>
+              <a:ext uri="{28A0092B-C50C-407E-A947-70E740481C1C}">
+                <a14:useLocalDpi xmlns:a14="http://schemas.microsoft.com/office/drawing/2010/main" val="0"/>
+              </a:ext>
+            </a:extLst>
+          </a:blip>
+          <a:stretch>
+            <a:fillRect/>
+          </a:stretch>
+        </p:blipFill>
+        <p:spPr>
+          <a:xfrm>
+            <a:off x="7311129" y="3435846"/>
+            <a:ext cx="1682644" cy="1610077"/>
+          </a:xfrm>
+          <a:prstGeom prst="rect">
+            <a:avLst/>
+          </a:prstGeom>
+        </p:spPr>
+      </p:pic>
+      <p:sp>
+        <p:nvSpPr>
+          <p:cNvPr id="10" name="Rectangle 9"/>
+          <p:cNvSpPr/>
+          <p:nvPr/>
+        </p:nvSpPr>
+        <p:spPr>
+          <a:xfrm>
+            <a:off x="539552" y="3480559"/>
+            <a:ext cx="7367888" cy="707886"/>
+          </a:xfrm>
+          <a:prstGeom prst="rect">
+            <a:avLst/>
+          </a:prstGeom>
+          <a:noFill/>
+        </p:spPr>
+        <p:txBody>
+          <a:bodyPr wrap="square" lIns="91440" tIns="45720" rIns="91440" bIns="45720">
+            <a:spAutoFit/>
+          </a:bodyPr>
+          <a:lstStyle/>
+          <a:p>
+            <a:pPr algn="ctr"/>
+            <a:r>
+              <a:rPr lang="en-US" sz="4000" b="1" dirty="0" smtClean="0">
+                <a:ln w="10541" cmpd="sng">
+                  <a:solidFill>
+                    <a:srgbClr val="7D7D7D">
+                      <a:tint val="100000"/>
+                      <a:shade val="100000"/>
+                      <a:satMod val="110000"/>
+                    </a:srgbClr>
+                  </a:solidFill>
+                  <a:prstDash val="solid"/>
+                </a:ln>
+                <a:solidFill>
+                  <a:srgbClr val="FF0000"/>
+                </a:solidFill>
+              </a:rPr>
+              <a:t>Like and subscribe</a:t>
+            </a:r>
+            <a:r>
+              <a:rPr lang="en-US" sz="4000" b="1" dirty="0">
+                <a:ln w="10541" cmpd="sng">
+                  <a:solidFill>
+                    <a:srgbClr val="7D7D7D">
+                      <a:tint val="100000"/>
+                      <a:shade val="100000"/>
+                      <a:satMod val="110000"/>
+                    </a:srgbClr>
+                  </a:solidFill>
+                  <a:prstDash val="solid"/>
+                </a:ln>
+                <a:solidFill>
+                  <a:srgbClr val="FF0000"/>
+                </a:solidFill>
+              </a:rPr>
+              <a:t>!</a:t>
+            </a:r>
+            <a:endParaRPr lang="en-US" sz="4000" b="1" dirty="0" smtClean="0">
+              <a:ln w="10541" cmpd="sng">
+                <a:solidFill>
+                  <a:srgbClr val="7D7D7D">
+                    <a:tint val="100000"/>
+                    <a:shade val="100000"/>
+                    <a:satMod val="110000"/>
+                  </a:srgbClr>
+                </a:solidFill>
+                <a:prstDash val="solid"/>
+              </a:ln>
               <a:solidFill>
-                <a:schemeClr val="bg1">
-                  <a:lumMod val="75000"/>
-                </a:schemeClr>
+                <a:srgbClr val="FF0000"/>
               </a:solidFill>
             </a:endParaRPr>
           </a:p>
-          <a:p>
-            <a:pPr marL="478483" indent="-478483">
-              <a:buNone/>
-            </a:pPr>
-            <a:endParaRPr lang="en-GB" sz="1100" dirty="0" smtClean="0"/>
-          </a:p>
-          <a:p>
-            <a:pPr marL="478483" indent="-478483">
-              <a:buFont typeface="+mj-lt"/>
-              <a:buAutoNum type="arabicPeriod"/>
-            </a:pPr>
-            <a:endParaRPr lang="en-GB" sz="1100" dirty="0" smtClean="0"/>
-          </a:p>
-          <a:p>
-            <a:pPr marL="478483" indent="-478483">
-              <a:buFont typeface="+mj-lt"/>
-              <a:buAutoNum type="arabicPeriod"/>
-            </a:pPr>
-            <a:endParaRPr lang="en-GB" sz="1000" dirty="0" smtClean="0"/>
-          </a:p>
-          <a:p>
-            <a:pPr marL="478483" indent="-478483">
-              <a:buFont typeface="+mj-lt"/>
-              <a:buAutoNum type="arabicPeriod"/>
-            </a:pPr>
-            <a:endParaRPr lang="en-GB" sz="1000" dirty="0" smtClean="0"/>
-          </a:p>
-          <a:p>
-            <a:pPr marL="478483" indent="-478483">
-              <a:buFont typeface="+mj-lt"/>
-              <a:buAutoNum type="arabicPeriod"/>
-            </a:pPr>
-            <a:endParaRPr lang="en-GB" sz="1000" dirty="0" smtClean="0"/>
-          </a:p>
-          <a:p>
-            <a:pPr marL="478483" indent="-478483">
-              <a:buFont typeface="+mj-lt"/>
-              <a:buAutoNum type="arabicPeriod"/>
-            </a:pPr>
-            <a:endParaRPr lang="en-GB" sz="1000" dirty="0"/>
-          </a:p>
         </p:txBody>
       </p:sp>
     </p:spTree>
+    <p:extLst>
+      <p:ext uri="{BB962C8B-B14F-4D97-AF65-F5344CB8AC3E}">
+        <p14:creationId xmlns:p14="http://schemas.microsoft.com/office/powerpoint/2010/main" val="2231506358"/>
+      </p:ext>
+    </p:extLst>
   </p:cSld>
   <p:clrMapOvr>
     <a:masterClrMapping/>
@@ -4689,18 +4443,19 @@
         </p:nvSpPr>
         <p:spPr>
           <a:xfrm>
-            <a:off x="2" y="1"/>
+            <a:off x="457202" y="-92546"/>
             <a:ext cx="8229601" cy="857250"/>
           </a:xfrm>
         </p:spPr>
         <p:txBody>
-          <a:bodyPr/>
-          <a:lstStyle/>
-          <a:p>
-            <a:pPr algn="l"/>
+          <a:bodyPr>
+            <a:normAutofit/>
+          </a:bodyPr>
+          <a:lstStyle/>
+          <a:p>
             <a:r>
               <a:rPr lang="en-GB" dirty="0" smtClean="0"/>
-              <a:t>PIC18FxxQ41</a:t>
+              <a:t>Videos...</a:t>
             </a:r>
             <a:endParaRPr lang="en-GB" dirty="0"/>
           </a:p>
@@ -4708,137 +4463,449 @@
       </p:sp>
       <p:sp>
         <p:nvSpPr>
-          <p:cNvPr id="3" name="Content Placeholder 2"/>
-          <p:cNvSpPr>
-            <a:spLocks noGrp="1"/>
-          </p:cNvSpPr>
-          <p:nvPr>
-            <p:ph idx="1"/>
-          </p:nvPr>
-        </p:nvSpPr>
-        <p:spPr>
-          <a:xfrm>
-            <a:off x="395538" y="1081186"/>
+          <p:cNvPr id="5" name="Content Placeholder 2"/>
+          <p:cNvSpPr txBox="1">
+            <a:spLocks/>
+          </p:cNvSpPr>
+          <p:nvPr/>
+        </p:nvSpPr>
+        <p:spPr>
+          <a:xfrm>
+            <a:off x="467543" y="689049"/>
             <a:ext cx="8229601" cy="3394472"/>
-          </a:xfrm>
-        </p:spPr>
-        <p:txBody>
-          <a:bodyPr>
-            <a:normAutofit fontScale="70000" lnSpcReduction="20000"/>
-          </a:bodyPr>
-          <a:lstStyle/>
-          <a:p>
-            <a:r>
-              <a:rPr lang="en-GB" dirty="0" smtClean="0"/>
-              <a:t>PIC18-Q41 is a high performance PIC18 </a:t>
-            </a:r>
-          </a:p>
-          <a:p>
-            <a:pPr lvl="1"/>
-            <a:r>
-              <a:rPr lang="en-GB" dirty="0" smtClean="0"/>
-              <a:t>Digital and </a:t>
-            </a:r>
-            <a:r>
-              <a:rPr lang="en-GB" dirty="0" err="1" smtClean="0"/>
-              <a:t>Analog</a:t>
-            </a:r>
-            <a:r>
-              <a:rPr lang="en-GB" dirty="0" smtClean="0"/>
-              <a:t> peripherals </a:t>
-            </a:r>
-          </a:p>
-          <a:p>
-            <a:pPr lvl="1"/>
-            <a:r>
-              <a:rPr lang="en-GB" dirty="0" smtClean="0"/>
-              <a:t>12-bit ADC</a:t>
-            </a:r>
-          </a:p>
-          <a:p>
-            <a:pPr lvl="1"/>
-            <a:r>
-              <a:rPr lang="en-GB" dirty="0" smtClean="0"/>
-              <a:t>Multiple communication interfaces</a:t>
-            </a:r>
-          </a:p>
-          <a:p>
-            <a:pPr lvl="2"/>
-            <a:r>
-              <a:rPr lang="en-GB" dirty="0" smtClean="0"/>
-              <a:t>Serial</a:t>
-            </a:r>
-            <a:r>
-              <a:rPr lang="en-GB" smtClean="0"/>
-              <a:t>, I2C, </a:t>
-            </a:r>
-            <a:r>
-              <a:rPr lang="en-GB" dirty="0" smtClean="0"/>
-              <a:t>SPI</a:t>
-            </a:r>
-          </a:p>
-          <a:p>
-            <a:pPr lvl="1"/>
-            <a:r>
-              <a:rPr lang="en-GB" dirty="0" smtClean="0"/>
-              <a:t>PWM – CCP/PWM and 16Bit</a:t>
-            </a:r>
-          </a:p>
-          <a:p>
-            <a:pPr lvl="1"/>
-            <a:r>
-              <a:rPr lang="en-GB" dirty="0" smtClean="0"/>
-              <a:t>Configurable Logic Cells</a:t>
-            </a:r>
-          </a:p>
-          <a:p>
-            <a:endParaRPr lang="en-GB" dirty="0" smtClean="0"/>
-          </a:p>
-          <a:p>
-            <a:r>
-              <a:rPr lang="en-GB" dirty="0" smtClean="0"/>
-              <a:t>The PIC18xxQ41 offers 14- and 20-pin products in small footprint packages to support customers in a variety of space constrained and sensor node applications. </a:t>
-            </a:r>
-          </a:p>
-          <a:p>
-            <a:endParaRPr lang="en-GB" dirty="0"/>
-          </a:p>
-        </p:txBody>
-      </p:sp>
-      <p:pic>
-        <p:nvPicPr>
-          <p:cNvPr id="4" name="Picture 1"/>
-          <p:cNvPicPr>
-            <a:picLocks noChangeAspect="1" noChangeArrowheads="1"/>
-          </p:cNvPicPr>
-          <p:nvPr/>
-        </p:nvPicPr>
-        <p:blipFill>
-          <a:blip r:embed="rId2" cstate="print"/>
-          <a:srcRect l="8600" t="14166" r="7684" b="8911"/>
-          <a:stretch>
-            <a:fillRect/>
-          </a:stretch>
-        </p:blipFill>
-        <p:spPr bwMode="auto">
-          <a:xfrm>
-            <a:off x="6300193" y="1275606"/>
-            <a:ext cx="2448272" cy="1296144"/>
           </a:xfrm>
           <a:prstGeom prst="rect">
             <a:avLst/>
           </a:prstGeom>
-          <a:noFill/>
-          <a:ln w="9525">
-            <a:noFill/>
-            <a:miter lim="800000"/>
-            <a:headEnd/>
-            <a:tailEnd/>
-          </a:ln>
-          <a:effectLst/>
-        </p:spPr>
-      </p:pic>
+        </p:spPr>
+        <p:txBody>
+          <a:bodyPr vert="horz" lIns="85064" tIns="42531" rIns="85064" bIns="42531" rtlCol="0">
+            <a:noAutofit/>
+          </a:bodyPr>
+          <a:lstStyle>
+            <a:lvl1pPr marL="318988" indent="-318988" algn="l" defTabSz="850636" rtl="0" eaLnBrk="1" latinLnBrk="0" hangingPunct="1">
+              <a:spcBef>
+                <a:spcPct val="20000"/>
+              </a:spcBef>
+              <a:buFont typeface="Arial" pitchFamily="34" charset="0"/>
+              <a:buChar char="•"/>
+              <a:defRPr sz="3000" kern="1200">
+                <a:solidFill>
+                  <a:schemeClr val="tx1"/>
+                </a:solidFill>
+                <a:latin typeface="+mn-lt"/>
+                <a:ea typeface="+mn-ea"/>
+                <a:cs typeface="+mn-cs"/>
+              </a:defRPr>
+            </a:lvl1pPr>
+            <a:lvl2pPr marL="691142" indent="-265824" algn="l" defTabSz="850636" rtl="0" eaLnBrk="1" latinLnBrk="0" hangingPunct="1">
+              <a:spcBef>
+                <a:spcPct val="20000"/>
+              </a:spcBef>
+              <a:buFont typeface="Arial" pitchFamily="34" charset="0"/>
+              <a:buChar char="–"/>
+              <a:defRPr sz="2600" kern="1200">
+                <a:solidFill>
+                  <a:schemeClr val="tx1"/>
+                </a:solidFill>
+                <a:latin typeface="+mn-lt"/>
+                <a:ea typeface="+mn-ea"/>
+                <a:cs typeface="+mn-cs"/>
+              </a:defRPr>
+            </a:lvl2pPr>
+            <a:lvl3pPr marL="1063295" indent="-212659" algn="l" defTabSz="850636" rtl="0" eaLnBrk="1" latinLnBrk="0" hangingPunct="1">
+              <a:spcBef>
+                <a:spcPct val="20000"/>
+              </a:spcBef>
+              <a:buFont typeface="Arial" pitchFamily="34" charset="0"/>
+              <a:buChar char="•"/>
+              <a:defRPr sz="2200" kern="1200">
+                <a:solidFill>
+                  <a:schemeClr val="tx1"/>
+                </a:solidFill>
+                <a:latin typeface="+mn-lt"/>
+                <a:ea typeface="+mn-ea"/>
+                <a:cs typeface="+mn-cs"/>
+              </a:defRPr>
+            </a:lvl3pPr>
+            <a:lvl4pPr marL="1488614" indent="-212659" algn="l" defTabSz="850636" rtl="0" eaLnBrk="1" latinLnBrk="0" hangingPunct="1">
+              <a:spcBef>
+                <a:spcPct val="20000"/>
+              </a:spcBef>
+              <a:buFont typeface="Arial" pitchFamily="34" charset="0"/>
+              <a:buChar char="–"/>
+              <a:defRPr sz="1900" kern="1200">
+                <a:solidFill>
+                  <a:schemeClr val="tx1"/>
+                </a:solidFill>
+                <a:latin typeface="+mn-lt"/>
+                <a:ea typeface="+mn-ea"/>
+                <a:cs typeface="+mn-cs"/>
+              </a:defRPr>
+            </a:lvl4pPr>
+            <a:lvl5pPr marL="1913932" indent="-212659" algn="l" defTabSz="850636" rtl="0" eaLnBrk="1" latinLnBrk="0" hangingPunct="1">
+              <a:spcBef>
+                <a:spcPct val="20000"/>
+              </a:spcBef>
+              <a:buFont typeface="Arial" pitchFamily="34" charset="0"/>
+              <a:buChar char="»"/>
+              <a:defRPr sz="1900" kern="1200">
+                <a:solidFill>
+                  <a:schemeClr val="tx1"/>
+                </a:solidFill>
+                <a:latin typeface="+mn-lt"/>
+                <a:ea typeface="+mn-ea"/>
+                <a:cs typeface="+mn-cs"/>
+              </a:defRPr>
+            </a:lvl5pPr>
+            <a:lvl6pPr marL="2339250" indent="-212659" algn="l" defTabSz="850636" rtl="0" eaLnBrk="1" latinLnBrk="0" hangingPunct="1">
+              <a:spcBef>
+                <a:spcPct val="20000"/>
+              </a:spcBef>
+              <a:buFont typeface="Arial" pitchFamily="34" charset="0"/>
+              <a:buChar char="•"/>
+              <a:defRPr sz="1900" kern="1200">
+                <a:solidFill>
+                  <a:schemeClr val="tx1"/>
+                </a:solidFill>
+                <a:latin typeface="+mn-lt"/>
+                <a:ea typeface="+mn-ea"/>
+                <a:cs typeface="+mn-cs"/>
+              </a:defRPr>
+            </a:lvl6pPr>
+            <a:lvl7pPr marL="2764568" indent="-212659" algn="l" defTabSz="850636" rtl="0" eaLnBrk="1" latinLnBrk="0" hangingPunct="1">
+              <a:spcBef>
+                <a:spcPct val="20000"/>
+              </a:spcBef>
+              <a:buFont typeface="Arial" pitchFamily="34" charset="0"/>
+              <a:buChar char="•"/>
+              <a:defRPr sz="1900" kern="1200">
+                <a:solidFill>
+                  <a:schemeClr val="tx1"/>
+                </a:solidFill>
+                <a:latin typeface="+mn-lt"/>
+                <a:ea typeface="+mn-ea"/>
+                <a:cs typeface="+mn-cs"/>
+              </a:defRPr>
+            </a:lvl7pPr>
+            <a:lvl8pPr marL="3189887" indent="-212659" algn="l" defTabSz="850636" rtl="0" eaLnBrk="1" latinLnBrk="0" hangingPunct="1">
+              <a:spcBef>
+                <a:spcPct val="20000"/>
+              </a:spcBef>
+              <a:buFont typeface="Arial" pitchFamily="34" charset="0"/>
+              <a:buChar char="•"/>
+              <a:defRPr sz="1900" kern="1200">
+                <a:solidFill>
+                  <a:schemeClr val="tx1"/>
+                </a:solidFill>
+                <a:latin typeface="+mn-lt"/>
+                <a:ea typeface="+mn-ea"/>
+                <a:cs typeface="+mn-cs"/>
+              </a:defRPr>
+            </a:lvl8pPr>
+            <a:lvl9pPr marL="3615205" indent="-212659" algn="l" defTabSz="850636" rtl="0" eaLnBrk="1" latinLnBrk="0" hangingPunct="1">
+              <a:spcBef>
+                <a:spcPct val="20000"/>
+              </a:spcBef>
+              <a:buFont typeface="Arial" pitchFamily="34" charset="0"/>
+              <a:buChar char="•"/>
+              <a:defRPr sz="1900" kern="1200">
+                <a:solidFill>
+                  <a:schemeClr val="tx1"/>
+                </a:solidFill>
+                <a:latin typeface="+mn-lt"/>
+                <a:ea typeface="+mn-ea"/>
+                <a:cs typeface="+mn-cs"/>
+              </a:defRPr>
+            </a:lvl9pPr>
+          </a:lstStyle>
+          <a:p>
+            <a:pPr marL="478483" indent="-478483">
+              <a:buFont typeface="+mj-lt"/>
+              <a:buAutoNum type="arabicPeriod"/>
+            </a:pPr>
+            <a:r>
+              <a:rPr lang="en-GB" sz="1100" dirty="0" smtClean="0"/>
+              <a:t>Install the hardware and make the board work – three LED programs</a:t>
+            </a:r>
+          </a:p>
+          <a:p>
+            <a:pPr marL="478483" indent="-478483">
+              <a:buFont typeface="+mj-lt"/>
+              <a:buAutoNum type="arabicPeriod"/>
+            </a:pPr>
+            <a:r>
+              <a:rPr lang="en-GB" sz="1100" dirty="0" smtClean="0"/>
+              <a:t>Make  four LEDs flash in a sequence</a:t>
+            </a:r>
+          </a:p>
+          <a:p>
+            <a:pPr marL="478483" indent="-478483">
+              <a:buFont typeface="+mj-lt"/>
+              <a:buAutoNum type="arabicPeriod"/>
+            </a:pPr>
+            <a:r>
+              <a:rPr lang="en-GB" sz="1100" dirty="0" smtClean="0"/>
+              <a:t>Set the LEDs to represent the value of ADC</a:t>
+            </a:r>
+          </a:p>
+          <a:p>
+            <a:pPr marL="478483" indent="-478483">
+              <a:buFont typeface="+mj-lt"/>
+              <a:buAutoNum type="arabicPeriod"/>
+            </a:pPr>
+            <a:r>
+              <a:rPr lang="en-GB" sz="1100" dirty="0" smtClean="0"/>
+              <a:t>Sequence the LEDs with a delay using the value of ADC</a:t>
+            </a:r>
+          </a:p>
+          <a:p>
+            <a:pPr marL="478483" indent="-478483">
+              <a:buFont typeface="+mj-lt"/>
+              <a:buAutoNum type="arabicPeriod"/>
+            </a:pPr>
+            <a:r>
+              <a:rPr lang="en-GB" sz="1100" dirty="0" smtClean="0"/>
+              <a:t>Using an input to set the state of the LEDs</a:t>
+            </a:r>
+          </a:p>
+          <a:p>
+            <a:pPr marL="478483" indent="-478483">
+              <a:buFont typeface="+mj-lt"/>
+              <a:buAutoNum type="arabicPeriod"/>
+            </a:pPr>
+            <a:r>
+              <a:rPr lang="en-GB" sz="1100" dirty="0" smtClean="0"/>
+              <a:t>Using the reset switch</a:t>
+            </a:r>
+          </a:p>
+          <a:p>
+            <a:pPr marL="478483" indent="-478483">
+              <a:buFont typeface="+mj-lt"/>
+              <a:buAutoNum type="arabicPeriod"/>
+            </a:pPr>
+            <a:r>
+              <a:rPr lang="en-GB" sz="1100" dirty="0" smtClean="0"/>
+              <a:t>Using the switch, ADC – make the LEDs flash in a sequence with reverse</a:t>
+            </a:r>
+          </a:p>
+          <a:p>
+            <a:pPr marL="478483" indent="-478483">
+              <a:buFont typeface="+mj-lt"/>
+              <a:buAutoNum type="arabicPeriod"/>
+            </a:pPr>
+            <a:r>
+              <a:rPr lang="en-GB" sz="1100" dirty="0" smtClean="0"/>
+              <a:t>Using the serial to display values</a:t>
+            </a:r>
+          </a:p>
+          <a:p>
+            <a:pPr marL="478483" indent="-478483">
+              <a:buFont typeface="+mj-lt"/>
+              <a:buAutoNum type="arabicPeriod"/>
+            </a:pPr>
+            <a:r>
+              <a:rPr lang="en-GB" sz="1100" dirty="0" smtClean="0"/>
+              <a:t>Using the timer0 overflow, 8bit timer, 16bit timer to flash the LEDs</a:t>
+            </a:r>
+          </a:p>
+          <a:p>
+            <a:pPr marL="478483" indent="-478483">
+              <a:buFont typeface="+mj-lt"/>
+              <a:buAutoNum type="arabicPeriod"/>
+            </a:pPr>
+            <a:r>
+              <a:rPr lang="en-GB" sz="1100" dirty="0" smtClean="0"/>
+              <a:t>Using </a:t>
+            </a:r>
+            <a:r>
+              <a:rPr lang="en-GB" sz="1100" dirty="0" err="1" smtClean="0"/>
+              <a:t>EEProm</a:t>
+            </a:r>
+            <a:r>
+              <a:rPr lang="en-GB" sz="1100" dirty="0" smtClean="0"/>
+              <a:t> – showing values on the serial terminal, and more constants insights</a:t>
+            </a:r>
+          </a:p>
+          <a:p>
+            <a:pPr marL="478483" indent="-478483">
+              <a:buFont typeface="+mj-lt"/>
+              <a:buAutoNum type="arabicPeriod"/>
+            </a:pPr>
+            <a:r>
+              <a:rPr lang="en-GB" sz="1100" dirty="0" smtClean="0"/>
+              <a:t>Using I2C with serial to discover I2C devices</a:t>
+            </a:r>
+          </a:p>
+          <a:p>
+            <a:pPr marL="478483" indent="-478483">
+              <a:buFont typeface="+mj-lt"/>
+              <a:buAutoNum type="arabicPeriod"/>
+            </a:pPr>
+            <a:r>
+              <a:rPr lang="en-GB" sz="1100" dirty="0" smtClean="0"/>
+              <a:t>Using an I2C GCLD display</a:t>
+            </a:r>
+          </a:p>
+          <a:p>
+            <a:pPr marL="478483" indent="-478483">
+              <a:buFont typeface="+mj-lt"/>
+              <a:buAutoNum type="arabicPeriod"/>
+            </a:pPr>
+            <a:r>
+              <a:rPr lang="en-GB" sz="1100" dirty="0" smtClean="0"/>
+              <a:t>Using a SPI GCLD display</a:t>
+            </a:r>
+          </a:p>
+          <a:p>
+            <a:pPr marL="478483" indent="-478483">
+              <a:buFont typeface="+mj-lt"/>
+              <a:buAutoNum type="arabicPeriod"/>
+            </a:pPr>
+            <a:r>
+              <a:rPr lang="en-GB" sz="1100" dirty="0" smtClean="0"/>
+              <a:t>Using PWM, 7  ways,  to dim the LEDS</a:t>
+            </a:r>
+          </a:p>
+          <a:p>
+            <a:pPr marL="478483" indent="-478483">
+              <a:buFont typeface="+mj-lt"/>
+              <a:buAutoNum type="arabicPeriod"/>
+            </a:pPr>
+            <a:r>
+              <a:rPr lang="en-GB" sz="1100" dirty="0" smtClean="0"/>
+              <a:t>Using an external interrupt to control an LED</a:t>
+            </a:r>
+          </a:p>
+          <a:p>
+            <a:pPr marL="478483" indent="-478483">
+              <a:buFont typeface="+mj-lt"/>
+              <a:buAutoNum type="arabicPeriod"/>
+            </a:pPr>
+            <a:r>
+              <a:rPr lang="en-GB" sz="1100" dirty="0"/>
+              <a:t>Using storage within the </a:t>
+            </a:r>
+            <a:r>
+              <a:rPr lang="en-GB" sz="1100" dirty="0" smtClean="0"/>
+              <a:t>chip </a:t>
+            </a:r>
+            <a:r>
+              <a:rPr lang="en-GB" sz="1100" dirty="0"/>
+              <a:t>– </a:t>
+            </a:r>
+            <a:r>
+              <a:rPr lang="en-GB" sz="1100" dirty="0" err="1"/>
+              <a:t>Progmem</a:t>
+            </a:r>
+            <a:r>
+              <a:rPr lang="en-GB" sz="1100" dirty="0"/>
+              <a:t>, SAF memory, EEPROM and DATA blocks</a:t>
+            </a:r>
+          </a:p>
+          <a:p>
+            <a:pPr marL="478483" indent="-478483">
+              <a:buFont typeface="+mj-lt"/>
+              <a:buAutoNum type="arabicPeriod"/>
+            </a:pPr>
+            <a:r>
+              <a:rPr lang="en-GB" sz="1100" dirty="0" smtClean="0"/>
+              <a:t>Using CLC</a:t>
+            </a:r>
+          </a:p>
+          <a:p>
+            <a:pPr marL="478483" indent="-478483">
+              <a:buFont typeface="+mj-lt"/>
+              <a:buAutoNum type="arabicPeriod"/>
+            </a:pPr>
+            <a:r>
+              <a:rPr lang="en-GB" sz="1100" dirty="0" smtClean="0"/>
+              <a:t>The GCBASIC tool chain</a:t>
+            </a:r>
+          </a:p>
+          <a:p>
+            <a:pPr marL="478483" indent="-478483">
+              <a:buFont typeface="+mj-lt"/>
+              <a:buAutoNum type="arabicPeriod"/>
+            </a:pPr>
+            <a:r>
+              <a:rPr lang="en-GB" sz="1100" dirty="0" smtClean="0"/>
+              <a:t>Assembly , alternatives assemblers and MPLAB-X</a:t>
+            </a:r>
+          </a:p>
+          <a:p>
+            <a:pPr marL="478483" indent="-478483">
+              <a:buFont typeface="+mj-lt"/>
+              <a:buAutoNum type="arabicPeriod"/>
+            </a:pPr>
+            <a:r>
+              <a:rPr lang="en-GB" sz="1100" b="1" dirty="0" smtClean="0"/>
+              <a:t>Summary</a:t>
+            </a:r>
+          </a:p>
+          <a:p>
+            <a:pPr marL="478483" indent="-478483">
+              <a:buFont typeface="+mj-lt"/>
+              <a:buAutoNum type="arabicPeriod"/>
+            </a:pPr>
+            <a:endParaRPr lang="en-GB" sz="900" dirty="0" smtClean="0">
+              <a:solidFill>
+                <a:schemeClr val="bg1">
+                  <a:lumMod val="75000"/>
+                </a:schemeClr>
+              </a:solidFill>
+            </a:endParaRPr>
+          </a:p>
+          <a:p>
+            <a:pPr marL="478483" indent="-478483">
+              <a:buFont typeface="Arial" pitchFamily="34" charset="0"/>
+              <a:buNone/>
+            </a:pPr>
+            <a:endParaRPr lang="en-GB" sz="1100" dirty="0" smtClean="0"/>
+          </a:p>
+          <a:p>
+            <a:pPr marL="478483" indent="-478483">
+              <a:buFont typeface="+mj-lt"/>
+              <a:buAutoNum type="arabicPeriod"/>
+            </a:pPr>
+            <a:endParaRPr lang="en-GB" sz="1100" dirty="0" smtClean="0"/>
+          </a:p>
+          <a:p>
+            <a:pPr marL="478483" indent="-478483">
+              <a:buFont typeface="+mj-lt"/>
+              <a:buAutoNum type="arabicPeriod"/>
+            </a:pPr>
+            <a:endParaRPr lang="en-GB" sz="1000" dirty="0" smtClean="0"/>
+          </a:p>
+          <a:p>
+            <a:pPr marL="478483" indent="-478483">
+              <a:buFont typeface="+mj-lt"/>
+              <a:buAutoNum type="arabicPeriod"/>
+            </a:pPr>
+            <a:endParaRPr lang="en-GB" sz="1000" dirty="0" smtClean="0"/>
+          </a:p>
+          <a:p>
+            <a:pPr marL="478483" indent="-478483">
+              <a:buFont typeface="+mj-lt"/>
+              <a:buAutoNum type="arabicPeriod"/>
+            </a:pPr>
+            <a:endParaRPr lang="en-GB" sz="1000" dirty="0" smtClean="0"/>
+          </a:p>
+          <a:p>
+            <a:pPr marL="478483" indent="-478483">
+              <a:buFont typeface="+mj-lt"/>
+              <a:buAutoNum type="arabicPeriod"/>
+            </a:pPr>
+            <a:endParaRPr lang="en-GB" sz="1000" dirty="0"/>
+          </a:p>
+        </p:txBody>
+      </p:sp>
     </p:spTree>
+    <p:extLst>
+      <p:ext uri="{BB962C8B-B14F-4D97-AF65-F5344CB8AC3E}">
+        <p14:creationId xmlns:p14="http://schemas.microsoft.com/office/powerpoint/2010/main" val="1630184325"/>
+      </p:ext>
+    </p:extLst>
   </p:cSld>
   <p:clrMapOvr>
     <a:masterClrMapping/>
@@ -4873,55 +4940,7 @@
       </p:grpSpPr>
       <p:sp>
         <p:nvSpPr>
-          <p:cNvPr id="4" name="Oval 3"/>
-          <p:cNvSpPr/>
-          <p:nvPr/>
-        </p:nvSpPr>
-        <p:spPr>
-          <a:xfrm>
-            <a:off x="1835699" y="1707657"/>
-            <a:ext cx="1605103" cy="1425217"/>
-          </a:xfrm>
-          <a:prstGeom prst="ellipse">
-            <a:avLst/>
-          </a:prstGeom>
-        </p:spPr>
-        <p:style>
-          <a:lnRef idx="2">
-            <a:schemeClr val="accent1">
-              <a:shade val="50000"/>
-            </a:schemeClr>
-          </a:lnRef>
-          <a:fillRef idx="1">
-            <a:schemeClr val="accent1"/>
-          </a:fillRef>
-          <a:effectRef idx="0">
-            <a:schemeClr val="accent1"/>
-          </a:effectRef>
-          <a:fontRef idx="minor">
-            <a:schemeClr val="lt1"/>
-          </a:fontRef>
-        </p:style>
-        <p:txBody>
-          <a:bodyPr lIns="0" tIns="0" rIns="0" bIns="0" rtlCol="0" anchor="ctr"/>
-          <a:lstStyle/>
-          <a:p>
-            <a:pPr algn="ctr"/>
-            <a:r>
-              <a:rPr lang="en-GB" sz="1100" dirty="0" smtClean="0"/>
-              <a:t>Great Cow BASIC </a:t>
-            </a:r>
-            <a:r>
-              <a:rPr lang="en-GB" sz="1500" dirty="0" smtClean="0"/>
-              <a:t>Compiler</a:t>
-            </a:r>
-            <a:endParaRPr lang="en-GB" sz="1100" dirty="0"/>
-          </a:p>
-        </p:txBody>
-      </p:sp>
-      <p:sp>
-        <p:nvSpPr>
-          <p:cNvPr id="12" name="Title 1"/>
+          <p:cNvPr id="2" name="Title 1"/>
           <p:cNvSpPr>
             <a:spLocks noGrp="1"/>
           </p:cNvSpPr>
@@ -4931,18 +4950,19 @@
         </p:nvSpPr>
         <p:spPr>
           <a:xfrm>
-            <a:off x="2" y="1"/>
+            <a:off x="457202" y="-92546"/>
             <a:ext cx="8229601" cy="857250"/>
           </a:xfrm>
         </p:spPr>
         <p:txBody>
-          <a:bodyPr/>
-          <a:lstStyle/>
-          <a:p>
-            <a:pPr algn="l"/>
+          <a:bodyPr>
+            <a:normAutofit/>
+          </a:bodyPr>
+          <a:lstStyle/>
+          <a:p>
             <a:r>
               <a:rPr lang="en-GB" dirty="0" smtClean="0"/>
-              <a:t>Great Cow BASIC Compiler</a:t>
+              <a:t>Videos...</a:t>
             </a:r>
             <a:endParaRPr lang="en-GB" dirty="0"/>
           </a:p>
@@ -4950,53 +4970,557 @@
       </p:sp>
       <p:sp>
         <p:nvSpPr>
-          <p:cNvPr id="13" name="TextBox 12"/>
-          <p:cNvSpPr txBox="1"/>
+          <p:cNvPr id="5" name="Content Placeholder 2"/>
+          <p:cNvSpPr txBox="1">
+            <a:spLocks/>
+          </p:cNvSpPr>
           <p:nvPr/>
         </p:nvSpPr>
         <p:spPr>
           <a:xfrm>
-            <a:off x="4139952" y="1491632"/>
-            <a:ext cx="3960440" cy="2440383"/>
+            <a:off x="467543" y="689049"/>
+            <a:ext cx="8229601" cy="3394472"/>
           </a:xfrm>
           <a:prstGeom prst="rect">
             <a:avLst/>
           </a:prstGeom>
-          <a:noFill/>
-        </p:spPr>
-        <p:txBody>
-          <a:bodyPr wrap="square" lIns="85064" tIns="42531" rIns="85064" bIns="42531" rtlCol="0">
-            <a:spAutoFit/>
+        </p:spPr>
+        <p:txBody>
+          <a:bodyPr vert="horz" lIns="85064" tIns="42531" rIns="85064" bIns="42531" rtlCol="0">
+            <a:noAutofit/>
           </a:bodyPr>
-          <a:lstStyle/>
-          <a:p>
-            <a:r>
-              <a:rPr lang="en-GB" dirty="0" smtClean="0"/>
-              <a:t>Great Cow BASIC is an Open Source compiler for PIC, AVR and LGT microcontrollers</a:t>
-            </a:r>
-          </a:p>
-          <a:p>
-            <a:endParaRPr lang="en-GB" dirty="0" smtClean="0"/>
-          </a:p>
-          <a:p>
-            <a:r>
-              <a:rPr lang="en-GB" dirty="0" smtClean="0"/>
-              <a:t>Great Cow BASIC now supports the 18FxxQ41 chip family</a:t>
-            </a:r>
-          </a:p>
-          <a:p>
-            <a:endParaRPr lang="en-GB" dirty="0" smtClean="0"/>
-          </a:p>
-          <a:p>
-            <a:r>
-              <a:rPr lang="en-GB" dirty="0" smtClean="0"/>
-              <a:t>Great Cow BASIC is a cross platform with common code translation </a:t>
-            </a:r>
-            <a:endParaRPr lang="en-GB" dirty="0"/>
+          <a:lstStyle>
+            <a:lvl1pPr marL="318988" indent="-318988" algn="l" defTabSz="850636" rtl="0" eaLnBrk="1" latinLnBrk="0" hangingPunct="1">
+              <a:spcBef>
+                <a:spcPct val="20000"/>
+              </a:spcBef>
+              <a:buFont typeface="Arial" pitchFamily="34" charset="0"/>
+              <a:buChar char="•"/>
+              <a:defRPr sz="3000" kern="1200">
+                <a:solidFill>
+                  <a:schemeClr val="tx1"/>
+                </a:solidFill>
+                <a:latin typeface="+mn-lt"/>
+                <a:ea typeface="+mn-ea"/>
+                <a:cs typeface="+mn-cs"/>
+              </a:defRPr>
+            </a:lvl1pPr>
+            <a:lvl2pPr marL="691142" indent="-265824" algn="l" defTabSz="850636" rtl="0" eaLnBrk="1" latinLnBrk="0" hangingPunct="1">
+              <a:spcBef>
+                <a:spcPct val="20000"/>
+              </a:spcBef>
+              <a:buFont typeface="Arial" pitchFamily="34" charset="0"/>
+              <a:buChar char="–"/>
+              <a:defRPr sz="2600" kern="1200">
+                <a:solidFill>
+                  <a:schemeClr val="tx1"/>
+                </a:solidFill>
+                <a:latin typeface="+mn-lt"/>
+                <a:ea typeface="+mn-ea"/>
+                <a:cs typeface="+mn-cs"/>
+              </a:defRPr>
+            </a:lvl2pPr>
+            <a:lvl3pPr marL="1063295" indent="-212659" algn="l" defTabSz="850636" rtl="0" eaLnBrk="1" latinLnBrk="0" hangingPunct="1">
+              <a:spcBef>
+                <a:spcPct val="20000"/>
+              </a:spcBef>
+              <a:buFont typeface="Arial" pitchFamily="34" charset="0"/>
+              <a:buChar char="•"/>
+              <a:defRPr sz="2200" kern="1200">
+                <a:solidFill>
+                  <a:schemeClr val="tx1"/>
+                </a:solidFill>
+                <a:latin typeface="+mn-lt"/>
+                <a:ea typeface="+mn-ea"/>
+                <a:cs typeface="+mn-cs"/>
+              </a:defRPr>
+            </a:lvl3pPr>
+            <a:lvl4pPr marL="1488614" indent="-212659" algn="l" defTabSz="850636" rtl="0" eaLnBrk="1" latinLnBrk="0" hangingPunct="1">
+              <a:spcBef>
+                <a:spcPct val="20000"/>
+              </a:spcBef>
+              <a:buFont typeface="Arial" pitchFamily="34" charset="0"/>
+              <a:buChar char="–"/>
+              <a:defRPr sz="1900" kern="1200">
+                <a:solidFill>
+                  <a:schemeClr val="tx1"/>
+                </a:solidFill>
+                <a:latin typeface="+mn-lt"/>
+                <a:ea typeface="+mn-ea"/>
+                <a:cs typeface="+mn-cs"/>
+              </a:defRPr>
+            </a:lvl4pPr>
+            <a:lvl5pPr marL="1913932" indent="-212659" algn="l" defTabSz="850636" rtl="0" eaLnBrk="1" latinLnBrk="0" hangingPunct="1">
+              <a:spcBef>
+                <a:spcPct val="20000"/>
+              </a:spcBef>
+              <a:buFont typeface="Arial" pitchFamily="34" charset="0"/>
+              <a:buChar char="»"/>
+              <a:defRPr sz="1900" kern="1200">
+                <a:solidFill>
+                  <a:schemeClr val="tx1"/>
+                </a:solidFill>
+                <a:latin typeface="+mn-lt"/>
+                <a:ea typeface="+mn-ea"/>
+                <a:cs typeface="+mn-cs"/>
+              </a:defRPr>
+            </a:lvl5pPr>
+            <a:lvl6pPr marL="2339250" indent="-212659" algn="l" defTabSz="850636" rtl="0" eaLnBrk="1" latinLnBrk="0" hangingPunct="1">
+              <a:spcBef>
+                <a:spcPct val="20000"/>
+              </a:spcBef>
+              <a:buFont typeface="Arial" pitchFamily="34" charset="0"/>
+              <a:buChar char="•"/>
+              <a:defRPr sz="1900" kern="1200">
+                <a:solidFill>
+                  <a:schemeClr val="tx1"/>
+                </a:solidFill>
+                <a:latin typeface="+mn-lt"/>
+                <a:ea typeface="+mn-ea"/>
+                <a:cs typeface="+mn-cs"/>
+              </a:defRPr>
+            </a:lvl6pPr>
+            <a:lvl7pPr marL="2764568" indent="-212659" algn="l" defTabSz="850636" rtl="0" eaLnBrk="1" latinLnBrk="0" hangingPunct="1">
+              <a:spcBef>
+                <a:spcPct val="20000"/>
+              </a:spcBef>
+              <a:buFont typeface="Arial" pitchFamily="34" charset="0"/>
+              <a:buChar char="•"/>
+              <a:defRPr sz="1900" kern="1200">
+                <a:solidFill>
+                  <a:schemeClr val="tx1"/>
+                </a:solidFill>
+                <a:latin typeface="+mn-lt"/>
+                <a:ea typeface="+mn-ea"/>
+                <a:cs typeface="+mn-cs"/>
+              </a:defRPr>
+            </a:lvl7pPr>
+            <a:lvl8pPr marL="3189887" indent="-212659" algn="l" defTabSz="850636" rtl="0" eaLnBrk="1" latinLnBrk="0" hangingPunct="1">
+              <a:spcBef>
+                <a:spcPct val="20000"/>
+              </a:spcBef>
+              <a:buFont typeface="Arial" pitchFamily="34" charset="0"/>
+              <a:buChar char="•"/>
+              <a:defRPr sz="1900" kern="1200">
+                <a:solidFill>
+                  <a:schemeClr val="tx1"/>
+                </a:solidFill>
+                <a:latin typeface="+mn-lt"/>
+                <a:ea typeface="+mn-ea"/>
+                <a:cs typeface="+mn-cs"/>
+              </a:defRPr>
+            </a:lvl8pPr>
+            <a:lvl9pPr marL="3615205" indent="-212659" algn="l" defTabSz="850636" rtl="0" eaLnBrk="1" latinLnBrk="0" hangingPunct="1">
+              <a:spcBef>
+                <a:spcPct val="20000"/>
+              </a:spcBef>
+              <a:buFont typeface="Arial" pitchFamily="34" charset="0"/>
+              <a:buChar char="•"/>
+              <a:defRPr sz="1900" kern="1200">
+                <a:solidFill>
+                  <a:schemeClr val="tx1"/>
+                </a:solidFill>
+                <a:latin typeface="+mn-lt"/>
+                <a:ea typeface="+mn-ea"/>
+                <a:cs typeface="+mn-cs"/>
+              </a:defRPr>
+            </a:lvl9pPr>
+          </a:lstStyle>
+          <a:p>
+            <a:pPr marL="478483" indent="-478483">
+              <a:buFont typeface="+mj-lt"/>
+              <a:buAutoNum type="arabicPeriod"/>
+            </a:pPr>
+            <a:r>
+              <a:rPr lang="en-GB" sz="1100" b="1" dirty="0" smtClean="0"/>
+              <a:t>Install</a:t>
+            </a:r>
+            <a:r>
+              <a:rPr lang="en-GB" sz="1100" dirty="0" smtClean="0"/>
+              <a:t> the hardware and make the board work – three LED programs</a:t>
+            </a:r>
+          </a:p>
+          <a:p>
+            <a:pPr marL="478483" indent="-478483">
+              <a:buFont typeface="+mj-lt"/>
+              <a:buAutoNum type="arabicPeriod"/>
+            </a:pPr>
+            <a:r>
+              <a:rPr lang="en-GB" sz="1100" dirty="0" smtClean="0"/>
+              <a:t>Make  four LEDs </a:t>
+            </a:r>
+            <a:r>
+              <a:rPr lang="en-GB" sz="1100" b="1" dirty="0" smtClean="0"/>
+              <a:t>flash</a:t>
+            </a:r>
+            <a:r>
+              <a:rPr lang="en-GB" sz="1100" dirty="0" smtClean="0"/>
+              <a:t> in a sequence</a:t>
+            </a:r>
+          </a:p>
+          <a:p>
+            <a:pPr marL="478483" indent="-478483">
+              <a:buFont typeface="+mj-lt"/>
+              <a:buAutoNum type="arabicPeriod"/>
+            </a:pPr>
+            <a:r>
+              <a:rPr lang="en-GB" sz="1100" dirty="0" smtClean="0"/>
+              <a:t>Set the LEDs to represent the value of </a:t>
+            </a:r>
+            <a:r>
+              <a:rPr lang="en-GB" sz="1100" b="1" dirty="0" smtClean="0"/>
+              <a:t>ADC</a:t>
+            </a:r>
+          </a:p>
+          <a:p>
+            <a:pPr marL="478483" indent="-478483">
+              <a:buFont typeface="+mj-lt"/>
+              <a:buAutoNum type="arabicPeriod"/>
+            </a:pPr>
+            <a:r>
+              <a:rPr lang="en-GB" sz="1100" b="1" dirty="0" smtClean="0"/>
+              <a:t>Sequence</a:t>
+            </a:r>
+            <a:r>
+              <a:rPr lang="en-GB" sz="1100" dirty="0" smtClean="0"/>
+              <a:t> the LEDs with a delay using the value of ADC</a:t>
+            </a:r>
+          </a:p>
+          <a:p>
+            <a:pPr marL="478483" indent="-478483">
+              <a:buFont typeface="+mj-lt"/>
+              <a:buAutoNum type="arabicPeriod"/>
+            </a:pPr>
+            <a:r>
+              <a:rPr lang="en-GB" sz="1100" dirty="0" smtClean="0"/>
+              <a:t>Using an </a:t>
+            </a:r>
+            <a:r>
+              <a:rPr lang="en-GB" sz="1100" b="1" dirty="0" smtClean="0"/>
+              <a:t>input</a:t>
+            </a:r>
+            <a:r>
+              <a:rPr lang="en-GB" sz="1100" dirty="0" smtClean="0"/>
+              <a:t> to set the state of the LEDs</a:t>
+            </a:r>
+          </a:p>
+          <a:p>
+            <a:pPr marL="478483" indent="-478483">
+              <a:buFont typeface="+mj-lt"/>
+              <a:buAutoNum type="arabicPeriod"/>
+            </a:pPr>
+            <a:r>
+              <a:rPr lang="en-GB" sz="1100" dirty="0" smtClean="0"/>
+              <a:t>Using the </a:t>
+            </a:r>
+            <a:r>
+              <a:rPr lang="en-GB" sz="1100" b="1" dirty="0" smtClean="0"/>
+              <a:t>reset</a:t>
+            </a:r>
+            <a:r>
+              <a:rPr lang="en-GB" sz="1100" dirty="0" smtClean="0"/>
+              <a:t> switch</a:t>
+            </a:r>
+          </a:p>
+          <a:p>
+            <a:pPr marL="478483" indent="-478483">
+              <a:buFont typeface="+mj-lt"/>
+              <a:buAutoNum type="arabicPeriod"/>
+            </a:pPr>
+            <a:r>
+              <a:rPr lang="en-GB" sz="1100" dirty="0" smtClean="0"/>
+              <a:t>Using the switch, ADC – make the LEDs flash in a </a:t>
+            </a:r>
+            <a:r>
+              <a:rPr lang="en-GB" sz="1100" b="1" dirty="0" smtClean="0"/>
+              <a:t>sequence with reverse</a:t>
+            </a:r>
+          </a:p>
+          <a:p>
+            <a:pPr marL="478483" indent="-478483">
+              <a:buFont typeface="+mj-lt"/>
+              <a:buAutoNum type="arabicPeriod"/>
+            </a:pPr>
+            <a:r>
+              <a:rPr lang="en-GB" sz="1100" dirty="0" smtClean="0"/>
+              <a:t>Using the </a:t>
+            </a:r>
+            <a:r>
+              <a:rPr lang="en-GB" sz="1100" b="1" dirty="0" smtClean="0"/>
+              <a:t>serial</a:t>
+            </a:r>
+            <a:r>
+              <a:rPr lang="en-GB" sz="1100" dirty="0" smtClean="0"/>
+              <a:t> to display values</a:t>
+            </a:r>
+          </a:p>
+          <a:p>
+            <a:pPr marL="478483" indent="-478483">
+              <a:buFont typeface="+mj-lt"/>
+              <a:buAutoNum type="arabicPeriod"/>
+            </a:pPr>
+            <a:r>
+              <a:rPr lang="en-GB" sz="1100" dirty="0" smtClean="0"/>
+              <a:t>Using the </a:t>
+            </a:r>
+            <a:r>
+              <a:rPr lang="en-GB" sz="1100" b="1" dirty="0" smtClean="0"/>
+              <a:t>timer0 overflow, 8bit timer, 16bit timer </a:t>
+            </a:r>
+            <a:r>
+              <a:rPr lang="en-GB" sz="1100" dirty="0" smtClean="0"/>
+              <a:t>to flash the LEDs</a:t>
+            </a:r>
+          </a:p>
+          <a:p>
+            <a:pPr marL="478483" indent="-478483">
+              <a:buFont typeface="+mj-lt"/>
+              <a:buAutoNum type="arabicPeriod"/>
+            </a:pPr>
+            <a:r>
+              <a:rPr lang="en-GB" sz="1100" dirty="0" smtClean="0"/>
+              <a:t>Using </a:t>
+            </a:r>
+            <a:r>
+              <a:rPr lang="en-GB" sz="1100" b="1" dirty="0" err="1" smtClean="0"/>
+              <a:t>EEProm</a:t>
+            </a:r>
+            <a:r>
+              <a:rPr lang="en-GB" sz="1100" dirty="0" smtClean="0"/>
+              <a:t> – showing values on the serial terminal, and more constants insights</a:t>
+            </a:r>
+          </a:p>
+          <a:p>
+            <a:pPr marL="478483" indent="-478483">
+              <a:buFont typeface="+mj-lt"/>
+              <a:buAutoNum type="arabicPeriod"/>
+            </a:pPr>
+            <a:r>
+              <a:rPr lang="en-GB" sz="1100" dirty="0" smtClean="0"/>
+              <a:t>Using I2C with serial to discover </a:t>
+            </a:r>
+            <a:r>
+              <a:rPr lang="en-GB" sz="1100" b="1" dirty="0" smtClean="0"/>
+              <a:t>I2C devices</a:t>
+            </a:r>
+          </a:p>
+          <a:p>
+            <a:pPr marL="478483" indent="-478483">
+              <a:buFont typeface="+mj-lt"/>
+              <a:buAutoNum type="arabicPeriod"/>
+            </a:pPr>
+            <a:r>
+              <a:rPr lang="en-GB" sz="1100" dirty="0" smtClean="0"/>
+              <a:t>Using an </a:t>
+            </a:r>
+            <a:r>
+              <a:rPr lang="en-GB" sz="1100" b="1" dirty="0" smtClean="0"/>
+              <a:t>I2C GCLD </a:t>
+            </a:r>
+            <a:r>
+              <a:rPr lang="en-GB" sz="1100" dirty="0" smtClean="0"/>
+              <a:t>display</a:t>
+            </a:r>
+          </a:p>
+          <a:p>
+            <a:pPr marL="478483" indent="-478483">
+              <a:buFont typeface="+mj-lt"/>
+              <a:buAutoNum type="arabicPeriod"/>
+            </a:pPr>
+            <a:r>
+              <a:rPr lang="en-GB" sz="1100" dirty="0" smtClean="0"/>
+              <a:t>Using a </a:t>
+            </a:r>
+            <a:r>
+              <a:rPr lang="en-GB" sz="1100" b="1" dirty="0" smtClean="0"/>
+              <a:t>SPI GCLD</a:t>
+            </a:r>
+            <a:r>
+              <a:rPr lang="en-GB" sz="1100" dirty="0" smtClean="0"/>
+              <a:t> display</a:t>
+            </a:r>
+          </a:p>
+          <a:p>
+            <a:pPr marL="478483" indent="-478483">
+              <a:buFont typeface="+mj-lt"/>
+              <a:buAutoNum type="arabicPeriod"/>
+            </a:pPr>
+            <a:r>
+              <a:rPr lang="en-GB" sz="1100" dirty="0" smtClean="0"/>
+              <a:t>Using </a:t>
+            </a:r>
+            <a:r>
+              <a:rPr lang="en-GB" sz="1100" b="1" dirty="0" smtClean="0"/>
+              <a:t>PWM, 7  ways</a:t>
+            </a:r>
+            <a:r>
+              <a:rPr lang="en-GB" sz="1100" dirty="0" smtClean="0"/>
+              <a:t>,  to dim the LEDS</a:t>
+            </a:r>
+          </a:p>
+          <a:p>
+            <a:pPr marL="478483" indent="-478483">
+              <a:buFont typeface="+mj-lt"/>
+              <a:buAutoNum type="arabicPeriod"/>
+            </a:pPr>
+            <a:r>
+              <a:rPr lang="en-GB" sz="1100" dirty="0" smtClean="0"/>
+              <a:t>Using an external </a:t>
+            </a:r>
+            <a:r>
+              <a:rPr lang="en-GB" sz="1100" b="1" dirty="0" smtClean="0"/>
+              <a:t>interrupt </a:t>
+            </a:r>
+            <a:r>
+              <a:rPr lang="en-GB" sz="1100" dirty="0" smtClean="0"/>
+              <a:t>to control an LED</a:t>
+            </a:r>
+          </a:p>
+          <a:p>
+            <a:pPr marL="478483" indent="-478483">
+              <a:buFont typeface="+mj-lt"/>
+              <a:buAutoNum type="arabicPeriod"/>
+            </a:pPr>
+            <a:r>
+              <a:rPr lang="en-GB" sz="1100" dirty="0"/>
+              <a:t>Using storage within the </a:t>
+            </a:r>
+            <a:r>
+              <a:rPr lang="en-GB" sz="1100" dirty="0" smtClean="0"/>
+              <a:t>chip </a:t>
+            </a:r>
+            <a:r>
+              <a:rPr lang="en-GB" sz="1100" dirty="0"/>
+              <a:t>– </a:t>
+            </a:r>
+            <a:r>
+              <a:rPr lang="en-GB" sz="1100" b="1" dirty="0" err="1"/>
+              <a:t>Progmem</a:t>
+            </a:r>
+            <a:r>
+              <a:rPr lang="en-GB" sz="1100" b="1" dirty="0"/>
+              <a:t>, SAF memory, EEPROM and DATA </a:t>
+            </a:r>
+            <a:r>
+              <a:rPr lang="en-GB" sz="1100" dirty="0"/>
+              <a:t>blocks</a:t>
+            </a:r>
+          </a:p>
+          <a:p>
+            <a:pPr marL="478483" indent="-478483">
+              <a:buFont typeface="+mj-lt"/>
+              <a:buAutoNum type="arabicPeriod"/>
+            </a:pPr>
+            <a:r>
+              <a:rPr lang="en-GB" sz="1100" dirty="0" smtClean="0"/>
+              <a:t>Using </a:t>
+            </a:r>
+            <a:r>
+              <a:rPr lang="en-GB" sz="1100" b="1" dirty="0" smtClean="0"/>
+              <a:t>CLC</a:t>
+            </a:r>
+          </a:p>
+          <a:p>
+            <a:pPr marL="478483" indent="-478483">
+              <a:buFont typeface="+mj-lt"/>
+              <a:buAutoNum type="arabicPeriod"/>
+            </a:pPr>
+            <a:r>
+              <a:rPr lang="en-GB" sz="1100" dirty="0" smtClean="0"/>
+              <a:t>The GCBASIC </a:t>
+            </a:r>
+            <a:r>
+              <a:rPr lang="en-GB" sz="1100" b="1" dirty="0" smtClean="0"/>
+              <a:t>tool chain</a:t>
+            </a:r>
+          </a:p>
+          <a:p>
+            <a:pPr marL="478483" indent="-478483">
+              <a:buFont typeface="+mj-lt"/>
+              <a:buAutoNum type="arabicPeriod"/>
+            </a:pPr>
+            <a:r>
+              <a:rPr lang="en-GB" sz="1100" dirty="0" smtClean="0"/>
+              <a:t>Assembly , alternatives assemblers and </a:t>
+            </a:r>
+            <a:r>
+              <a:rPr lang="en-GB" sz="1100" b="1" dirty="0" smtClean="0"/>
+              <a:t>MPLAB-X</a:t>
+            </a:r>
+          </a:p>
+          <a:p>
+            <a:pPr marL="478483" indent="-478483">
+              <a:buFont typeface="+mj-lt"/>
+              <a:buAutoNum type="arabicPeriod"/>
+            </a:pPr>
+            <a:r>
+              <a:rPr lang="en-GB" sz="1100" dirty="0" smtClean="0"/>
+              <a:t>Summary</a:t>
+            </a:r>
+          </a:p>
+          <a:p>
+            <a:pPr marL="478483" indent="-478483">
+              <a:buFont typeface="+mj-lt"/>
+              <a:buAutoNum type="arabicPeriod"/>
+            </a:pPr>
+            <a:endParaRPr lang="en-GB" sz="900" dirty="0" smtClean="0">
+              <a:solidFill>
+                <a:schemeClr val="bg1">
+                  <a:lumMod val="75000"/>
+                </a:schemeClr>
+              </a:solidFill>
+            </a:endParaRPr>
+          </a:p>
+          <a:p>
+            <a:pPr marL="478483" indent="-478483">
+              <a:buFont typeface="Arial" pitchFamily="34" charset="0"/>
+              <a:buNone/>
+            </a:pPr>
+            <a:endParaRPr lang="en-GB" sz="1100" dirty="0" smtClean="0"/>
+          </a:p>
+          <a:p>
+            <a:pPr marL="478483" indent="-478483">
+              <a:buFont typeface="+mj-lt"/>
+              <a:buAutoNum type="arabicPeriod"/>
+            </a:pPr>
+            <a:endParaRPr lang="en-GB" sz="1100" dirty="0" smtClean="0"/>
+          </a:p>
+          <a:p>
+            <a:pPr marL="478483" indent="-478483">
+              <a:buFont typeface="+mj-lt"/>
+              <a:buAutoNum type="arabicPeriod"/>
+            </a:pPr>
+            <a:endParaRPr lang="en-GB" sz="1000" dirty="0" smtClean="0"/>
+          </a:p>
+          <a:p>
+            <a:pPr marL="478483" indent="-478483">
+              <a:buFont typeface="+mj-lt"/>
+              <a:buAutoNum type="arabicPeriod"/>
+            </a:pPr>
+            <a:endParaRPr lang="en-GB" sz="1000" dirty="0" smtClean="0"/>
+          </a:p>
+          <a:p>
+            <a:pPr marL="478483" indent="-478483">
+              <a:buFont typeface="+mj-lt"/>
+              <a:buAutoNum type="arabicPeriod"/>
+            </a:pPr>
+            <a:endParaRPr lang="en-GB" sz="1000" dirty="0" smtClean="0"/>
+          </a:p>
+          <a:p>
+            <a:pPr marL="478483" indent="-478483">
+              <a:buFont typeface="+mj-lt"/>
+              <a:buAutoNum type="arabicPeriod"/>
+            </a:pPr>
+            <a:endParaRPr lang="en-GB" sz="1000" dirty="0"/>
           </a:p>
         </p:txBody>
       </p:sp>
     </p:spTree>
+    <p:extLst>
+      <p:ext uri="{BB962C8B-B14F-4D97-AF65-F5344CB8AC3E}">
+        <p14:creationId xmlns:p14="http://schemas.microsoft.com/office/powerpoint/2010/main" val="86159772"/>
+      </p:ext>
+    </p:extLst>
   </p:cSld>
   <p:clrMapOvr>
     <a:masterClrMapping/>
@@ -5031,24 +5555,18 @@
       </p:grpSpPr>
       <p:sp>
         <p:nvSpPr>
-          <p:cNvPr id="44" name="Flowchart: Process 43"/>
+          <p:cNvPr id="4" name="Oval 3"/>
           <p:cNvSpPr/>
           <p:nvPr/>
         </p:nvSpPr>
         <p:spPr>
           <a:xfrm>
-            <a:off x="2051720" y="2161188"/>
-            <a:ext cx="6480720" cy="1152128"/>
-          </a:xfrm>
-          <a:prstGeom prst="flowChartProcess">
+            <a:off x="1835699" y="1707657"/>
+            <a:ext cx="1605103" cy="1425217"/>
+          </a:xfrm>
+          <a:prstGeom prst="ellipse">
             <a:avLst/>
           </a:prstGeom>
-          <a:solidFill>
-            <a:schemeClr val="accent1">
-              <a:lumMod val="20000"/>
-              <a:lumOff val="80000"/>
-            </a:schemeClr>
-          </a:solidFill>
         </p:spPr>
         <p:style>
           <a:lnRef idx="2">
@@ -5067,336 +5585,61 @@
           </a:fontRef>
         </p:style>
         <p:txBody>
-          <a:bodyPr rtlCol="0" anchor="ctr"/>
+          <a:bodyPr lIns="0" tIns="0" rIns="0" bIns="0" rtlCol="0" anchor="ctr"/>
           <a:lstStyle/>
           <a:p>
             <a:pPr algn="ctr"/>
-            <a:endParaRPr lang="en-GB"/>
-          </a:p>
-        </p:txBody>
-      </p:sp>
-      <p:sp>
-        <p:nvSpPr>
-          <p:cNvPr id="4" name="Oval 3"/>
-          <p:cNvSpPr/>
-          <p:nvPr/>
-        </p:nvSpPr>
-        <p:spPr>
-          <a:xfrm>
-            <a:off x="107504" y="2161187"/>
-            <a:ext cx="1605103" cy="1425217"/>
-          </a:xfrm>
-          <a:prstGeom prst="ellipse">
-            <a:avLst/>
-          </a:prstGeom>
-        </p:spPr>
-        <p:style>
-          <a:lnRef idx="2">
-            <a:schemeClr val="accent1">
-              <a:shade val="50000"/>
-            </a:schemeClr>
-          </a:lnRef>
-          <a:fillRef idx="1">
-            <a:schemeClr val="accent1"/>
-          </a:fillRef>
-          <a:effectRef idx="0">
-            <a:schemeClr val="accent1"/>
-          </a:effectRef>
-          <a:fontRef idx="minor">
-            <a:schemeClr val="lt1"/>
-          </a:fontRef>
-        </p:style>
-        <p:txBody>
-          <a:bodyPr lIns="0" tIns="0" rIns="0" bIns="0" rtlCol="0" anchor="ctr"/>
-          <a:lstStyle/>
-          <a:p>
-            <a:pPr algn="ctr"/>
-            <a:r>
-              <a:rPr lang="en-GB" sz="1200" dirty="0" smtClean="0"/>
-              <a:t>Great Cow BASIC </a:t>
-            </a:r>
-            <a:r>
-              <a:rPr lang="en-GB" sz="1600" dirty="0" smtClean="0"/>
+            <a:r>
+              <a:rPr lang="en-GB" sz="1100" dirty="0" smtClean="0"/>
+              <a:t>GCBASIC </a:t>
+            </a:r>
+            <a:r>
+              <a:rPr lang="en-GB" sz="1500" dirty="0" smtClean="0"/>
               <a:t>Compiler</a:t>
             </a:r>
-            <a:endParaRPr lang="en-GB" sz="1200" dirty="0"/>
-          </a:p>
-        </p:txBody>
-      </p:sp>
-      <p:sp>
-        <p:nvSpPr>
-          <p:cNvPr id="15" name="Flowchart: Document 14"/>
-          <p:cNvSpPr/>
-          <p:nvPr/>
-        </p:nvSpPr>
-        <p:spPr>
-          <a:xfrm>
-            <a:off x="2451115" y="1297092"/>
-            <a:ext cx="1152128" cy="720080"/>
-          </a:xfrm>
-          <a:prstGeom prst="flowChartDocument">
-            <a:avLst/>
-          </a:prstGeom>
-        </p:spPr>
-        <p:style>
-          <a:lnRef idx="2">
-            <a:schemeClr val="accent1">
-              <a:shade val="50000"/>
-            </a:schemeClr>
-          </a:lnRef>
-          <a:fillRef idx="1">
-            <a:schemeClr val="accent1"/>
-          </a:fillRef>
-          <a:effectRef idx="0">
-            <a:schemeClr val="accent1"/>
-          </a:effectRef>
-          <a:fontRef idx="minor">
-            <a:schemeClr val="lt1"/>
-          </a:fontRef>
-        </p:style>
-        <p:txBody>
-          <a:bodyPr rtlCol="0" anchor="ctr"/>
-          <a:lstStyle/>
-          <a:p>
-            <a:pPr algn="ctr"/>
-            <a:r>
-              <a:rPr lang="en-GB" sz="1600" dirty="0" smtClean="0"/>
-              <a:t>Source Code</a:t>
-            </a:r>
-            <a:endParaRPr lang="en-GB" sz="1600" dirty="0"/>
-          </a:p>
-        </p:txBody>
-      </p:sp>
-      <p:sp>
-        <p:nvSpPr>
-          <p:cNvPr id="16" name="Flowchart: Process 15"/>
-          <p:cNvSpPr/>
-          <p:nvPr/>
-        </p:nvSpPr>
-        <p:spPr>
-          <a:xfrm>
-            <a:off x="2271095" y="2449220"/>
-            <a:ext cx="1512168" cy="576064"/>
-          </a:xfrm>
-          <a:prstGeom prst="flowChartProcess">
-            <a:avLst/>
-          </a:prstGeom>
-        </p:spPr>
-        <p:style>
-          <a:lnRef idx="2">
-            <a:schemeClr val="accent1">
-              <a:shade val="50000"/>
-            </a:schemeClr>
-          </a:lnRef>
-          <a:fillRef idx="1">
-            <a:schemeClr val="accent1"/>
-          </a:fillRef>
-          <a:effectRef idx="0">
-            <a:schemeClr val="accent1"/>
-          </a:effectRef>
-          <a:fontRef idx="minor">
-            <a:schemeClr val="lt1"/>
-          </a:fontRef>
-        </p:style>
-        <p:txBody>
-          <a:bodyPr rtlCol="0" anchor="ctr"/>
-          <a:lstStyle/>
-          <a:p>
-            <a:pPr algn="ctr"/>
-            <a:r>
-              <a:rPr lang="en-GB" sz="1600" dirty="0" err="1" smtClean="0"/>
-              <a:t>Preprocessor</a:t>
-            </a:r>
-            <a:endParaRPr lang="en-GB" sz="1600" dirty="0"/>
-          </a:p>
-        </p:txBody>
-      </p:sp>
-      <p:sp>
-        <p:nvSpPr>
-          <p:cNvPr id="17" name="Flowchart: Document 16"/>
-          <p:cNvSpPr/>
-          <p:nvPr/>
-        </p:nvSpPr>
-        <p:spPr>
-          <a:xfrm>
-            <a:off x="2451115" y="3601348"/>
-            <a:ext cx="1152128" cy="720080"/>
-          </a:xfrm>
-          <a:prstGeom prst="flowChartDocument">
-            <a:avLst/>
-          </a:prstGeom>
-        </p:spPr>
-        <p:style>
-          <a:lnRef idx="2">
-            <a:schemeClr val="accent1">
-              <a:shade val="50000"/>
-            </a:schemeClr>
-          </a:lnRef>
-          <a:fillRef idx="1">
-            <a:schemeClr val="accent1"/>
-          </a:fillRef>
-          <a:effectRef idx="0">
-            <a:schemeClr val="accent1"/>
-          </a:effectRef>
-          <a:fontRef idx="minor">
-            <a:schemeClr val="lt1"/>
-          </a:fontRef>
-        </p:style>
-        <p:txBody>
-          <a:bodyPr rtlCol="0" anchor="ctr"/>
-          <a:lstStyle/>
-          <a:p>
-            <a:pPr algn="ctr"/>
-            <a:r>
-              <a:rPr lang="en-GB" sz="1600" dirty="0" smtClean="0"/>
-              <a:t>Libraries</a:t>
-            </a:r>
-            <a:endParaRPr lang="en-GB" sz="1600" dirty="0"/>
-          </a:p>
-        </p:txBody>
-      </p:sp>
-      <p:sp>
-        <p:nvSpPr>
-          <p:cNvPr id="18" name="Flowchart: Process 17"/>
-          <p:cNvSpPr/>
-          <p:nvPr/>
-        </p:nvSpPr>
-        <p:spPr>
-          <a:xfrm>
-            <a:off x="3995936" y="2449220"/>
-            <a:ext cx="1224136" cy="576064"/>
-          </a:xfrm>
-          <a:prstGeom prst="flowChartProcess">
-            <a:avLst/>
-          </a:prstGeom>
-        </p:spPr>
-        <p:style>
-          <a:lnRef idx="2">
-            <a:schemeClr val="accent1">
-              <a:shade val="50000"/>
-            </a:schemeClr>
-          </a:lnRef>
-          <a:fillRef idx="1">
-            <a:schemeClr val="accent1"/>
-          </a:fillRef>
-          <a:effectRef idx="0">
-            <a:schemeClr val="accent1"/>
-          </a:effectRef>
-          <a:fontRef idx="minor">
-            <a:schemeClr val="lt1"/>
-          </a:fontRef>
-        </p:style>
-        <p:txBody>
-          <a:bodyPr rtlCol="0" anchor="ctr"/>
-          <a:lstStyle/>
-          <a:p>
-            <a:pPr algn="ctr"/>
-            <a:r>
-              <a:rPr lang="en-GB" sz="1600" dirty="0" smtClean="0"/>
-              <a:t>Code Translator</a:t>
-            </a:r>
-            <a:endParaRPr lang="en-GB" sz="1600" dirty="0"/>
-          </a:p>
-        </p:txBody>
-      </p:sp>
-      <p:sp>
-        <p:nvSpPr>
-          <p:cNvPr id="19" name="Flowchart: Process 18"/>
-          <p:cNvSpPr/>
-          <p:nvPr/>
-        </p:nvSpPr>
-        <p:spPr>
-          <a:xfrm>
-            <a:off x="5436096" y="2449220"/>
-            <a:ext cx="1224136" cy="576064"/>
-          </a:xfrm>
-          <a:prstGeom prst="flowChartProcess">
-            <a:avLst/>
-          </a:prstGeom>
-        </p:spPr>
-        <p:style>
-          <a:lnRef idx="2">
-            <a:schemeClr val="accent1">
-              <a:shade val="50000"/>
-            </a:schemeClr>
-          </a:lnRef>
-          <a:fillRef idx="1">
-            <a:schemeClr val="accent1"/>
-          </a:fillRef>
-          <a:effectRef idx="0">
-            <a:schemeClr val="accent1"/>
-          </a:effectRef>
-          <a:fontRef idx="minor">
-            <a:schemeClr val="lt1"/>
-          </a:fontRef>
-        </p:style>
-        <p:txBody>
-          <a:bodyPr rtlCol="0" anchor="ctr"/>
-          <a:lstStyle/>
-          <a:p>
-            <a:pPr algn="ctr"/>
-            <a:r>
-              <a:rPr lang="en-GB" sz="1600" dirty="0" smtClean="0"/>
-              <a:t>Assembler</a:t>
-            </a:r>
-            <a:endParaRPr lang="en-GB" sz="1600" dirty="0"/>
-          </a:p>
-        </p:txBody>
-      </p:sp>
-      <p:sp>
-        <p:nvSpPr>
-          <p:cNvPr id="20" name="Flowchart: Process 19"/>
-          <p:cNvSpPr/>
-          <p:nvPr/>
-        </p:nvSpPr>
-        <p:spPr>
-          <a:xfrm>
-            <a:off x="6948264" y="2449220"/>
-            <a:ext cx="1224136" cy="576064"/>
-          </a:xfrm>
-          <a:prstGeom prst="flowChartProcess">
-            <a:avLst/>
-          </a:prstGeom>
-        </p:spPr>
-        <p:style>
-          <a:lnRef idx="2">
-            <a:schemeClr val="accent1">
-              <a:shade val="50000"/>
-            </a:schemeClr>
-          </a:lnRef>
-          <a:fillRef idx="1">
-            <a:schemeClr val="accent1"/>
-          </a:fillRef>
-          <a:effectRef idx="0">
-            <a:schemeClr val="accent1"/>
-          </a:effectRef>
-          <a:fontRef idx="minor">
-            <a:schemeClr val="lt1"/>
-          </a:fontRef>
-        </p:style>
-        <p:txBody>
-          <a:bodyPr rtlCol="0" anchor="ctr"/>
-          <a:lstStyle/>
-          <a:p>
-            <a:pPr algn="ctr"/>
-            <a:r>
-              <a:rPr lang="en-GB" sz="1600" dirty="0" smtClean="0"/>
-              <a:t>Linker</a:t>
-            </a:r>
-            <a:endParaRPr lang="en-GB" sz="1600" dirty="0"/>
-          </a:p>
-        </p:txBody>
-      </p:sp>
-      <p:sp>
-        <p:nvSpPr>
-          <p:cNvPr id="21" name="TextBox 20"/>
+            <a:endParaRPr lang="en-GB" sz="1100" dirty="0"/>
+          </a:p>
+        </p:txBody>
+      </p:sp>
+      <p:sp>
+        <p:nvSpPr>
+          <p:cNvPr id="12" name="Title 1"/>
+          <p:cNvSpPr>
+            <a:spLocks noGrp="1"/>
+          </p:cNvSpPr>
+          <p:nvPr>
+            <p:ph type="title"/>
+          </p:nvPr>
+        </p:nvSpPr>
+        <p:spPr>
+          <a:xfrm>
+            <a:off x="2" y="1"/>
+            <a:ext cx="8229601" cy="857250"/>
+          </a:xfrm>
+        </p:spPr>
+        <p:txBody>
+          <a:bodyPr/>
+          <a:lstStyle/>
+          <a:p>
+            <a:pPr algn="l"/>
+            <a:r>
+              <a:rPr lang="en-GB" dirty="0" smtClean="0"/>
+              <a:t>GCBASIC Compiler</a:t>
+            </a:r>
+            <a:endParaRPr lang="en-GB" dirty="0"/>
+          </a:p>
+        </p:txBody>
+      </p:sp>
+      <p:sp>
+        <p:nvSpPr>
+          <p:cNvPr id="13" name="TextBox 12"/>
           <p:cNvSpPr txBox="1"/>
           <p:nvPr/>
         </p:nvSpPr>
         <p:spPr>
           <a:xfrm>
-            <a:off x="2066182" y="920259"/>
-            <a:ext cx="1874296" cy="338554"/>
+            <a:off x="4139952" y="1491632"/>
+            <a:ext cx="3960440" cy="2178773"/>
           </a:xfrm>
           <a:prstGeom prst="rect">
             <a:avLst/>
@@ -5404,569 +5647,43 @@
           <a:noFill/>
         </p:spPr>
         <p:txBody>
-          <a:bodyPr wrap="none" rtlCol="0">
+          <a:bodyPr wrap="square" lIns="85064" tIns="42531" rIns="85064" bIns="42531" rtlCol="0">
             <a:spAutoFit/>
           </a:bodyPr>
           <a:lstStyle/>
           <a:p>
             <a:r>
-              <a:rPr lang="en-GB" sz="1600" dirty="0" smtClean="0"/>
-              <a:t>High Level Language</a:t>
-            </a:r>
-            <a:endParaRPr lang="en-GB" sz="1600" dirty="0"/>
-          </a:p>
-        </p:txBody>
-      </p:sp>
-      <p:cxnSp>
-        <p:nvCxnSpPr>
-          <p:cNvPr id="27" name="Straight Arrow Connector 26"/>
-          <p:cNvCxnSpPr>
-            <a:stCxn id="18" idx="3"/>
-            <a:endCxn id="19" idx="1"/>
-          </p:cNvCxnSpPr>
-          <p:nvPr/>
-        </p:nvCxnSpPr>
-        <p:spPr>
-          <a:xfrm>
-            <a:off x="5220072" y="2737252"/>
-            <a:ext cx="216024" cy="0"/>
-          </a:xfrm>
-          <a:prstGeom prst="straightConnector1">
-            <a:avLst/>
-          </a:prstGeom>
-          <a:ln>
-            <a:tailEnd type="arrow"/>
-          </a:ln>
-        </p:spPr>
-        <p:style>
-          <a:lnRef idx="1">
-            <a:schemeClr val="accent1"/>
-          </a:lnRef>
-          <a:fillRef idx="0">
-            <a:schemeClr val="accent1"/>
-          </a:fillRef>
-          <a:effectRef idx="0">
-            <a:schemeClr val="accent1"/>
-          </a:effectRef>
-          <a:fontRef idx="minor">
-            <a:schemeClr val="tx1"/>
-          </a:fontRef>
-        </p:style>
-      </p:cxnSp>
-      <p:cxnSp>
-        <p:nvCxnSpPr>
-          <p:cNvPr id="29" name="Straight Arrow Connector 28"/>
-          <p:cNvCxnSpPr>
-            <a:stCxn id="19" idx="3"/>
-            <a:endCxn id="20" idx="1"/>
-          </p:cNvCxnSpPr>
-          <p:nvPr/>
-        </p:nvCxnSpPr>
-        <p:spPr>
-          <a:xfrm>
-            <a:off x="6660232" y="2737252"/>
-            <a:ext cx="288032" cy="0"/>
-          </a:xfrm>
-          <a:prstGeom prst="straightConnector1">
-            <a:avLst/>
-          </a:prstGeom>
-          <a:ln>
-            <a:tailEnd type="arrow"/>
-          </a:ln>
-        </p:spPr>
-        <p:style>
-          <a:lnRef idx="1">
-            <a:schemeClr val="accent1"/>
-          </a:lnRef>
-          <a:fillRef idx="0">
-            <a:schemeClr val="accent1"/>
-          </a:fillRef>
-          <a:effectRef idx="0">
-            <a:schemeClr val="accent1"/>
-          </a:effectRef>
-          <a:fontRef idx="minor">
-            <a:schemeClr val="tx1"/>
-          </a:fontRef>
-        </p:style>
-      </p:cxnSp>
-      <p:cxnSp>
-        <p:nvCxnSpPr>
-          <p:cNvPr id="32" name="Straight Arrow Connector 31"/>
-          <p:cNvCxnSpPr/>
-          <p:nvPr/>
-        </p:nvCxnSpPr>
-        <p:spPr>
-          <a:xfrm>
-            <a:off x="3027179" y="1969567"/>
-            <a:ext cx="0" cy="479653"/>
-          </a:xfrm>
-          <a:prstGeom prst="straightConnector1">
-            <a:avLst/>
-          </a:prstGeom>
-          <a:ln>
-            <a:tailEnd type="arrow"/>
-          </a:ln>
-        </p:spPr>
-        <p:style>
-          <a:lnRef idx="1">
-            <a:schemeClr val="accent1"/>
-          </a:lnRef>
-          <a:fillRef idx="0">
-            <a:schemeClr val="accent1"/>
-          </a:fillRef>
-          <a:effectRef idx="0">
-            <a:schemeClr val="accent1"/>
-          </a:effectRef>
-          <a:fontRef idx="minor">
-            <a:schemeClr val="tx1"/>
-          </a:fontRef>
-        </p:style>
-      </p:cxnSp>
-      <p:cxnSp>
-        <p:nvCxnSpPr>
-          <p:cNvPr id="34" name="Straight Arrow Connector 33"/>
-          <p:cNvCxnSpPr/>
-          <p:nvPr/>
-        </p:nvCxnSpPr>
-        <p:spPr>
-          <a:xfrm flipV="1">
-            <a:off x="3027179" y="3025284"/>
-            <a:ext cx="0" cy="576064"/>
-          </a:xfrm>
-          <a:prstGeom prst="straightConnector1">
-            <a:avLst/>
-          </a:prstGeom>
-          <a:ln>
-            <a:tailEnd type="arrow"/>
-          </a:ln>
-        </p:spPr>
-        <p:style>
-          <a:lnRef idx="1">
-            <a:schemeClr val="accent1"/>
-          </a:lnRef>
-          <a:fillRef idx="0">
-            <a:schemeClr val="accent1"/>
-          </a:fillRef>
-          <a:effectRef idx="0">
-            <a:schemeClr val="accent1"/>
-          </a:effectRef>
-          <a:fontRef idx="minor">
-            <a:schemeClr val="tx1"/>
-          </a:fontRef>
-        </p:style>
-      </p:cxnSp>
-      <p:cxnSp>
-        <p:nvCxnSpPr>
-          <p:cNvPr id="36" name="Straight Arrow Connector 35"/>
-          <p:cNvCxnSpPr>
-            <a:stCxn id="16" idx="3"/>
-            <a:endCxn id="18" idx="1"/>
-          </p:cNvCxnSpPr>
-          <p:nvPr/>
-        </p:nvCxnSpPr>
-        <p:spPr>
-          <a:xfrm>
-            <a:off x="3783263" y="2737252"/>
-            <a:ext cx="212673" cy="0"/>
-          </a:xfrm>
-          <a:prstGeom prst="straightConnector1">
-            <a:avLst/>
-          </a:prstGeom>
-          <a:ln>
-            <a:tailEnd type="arrow"/>
-          </a:ln>
-        </p:spPr>
-        <p:style>
-          <a:lnRef idx="1">
-            <a:schemeClr val="accent1"/>
-          </a:lnRef>
-          <a:fillRef idx="0">
-            <a:schemeClr val="accent1"/>
-          </a:fillRef>
-          <a:effectRef idx="0">
-            <a:schemeClr val="accent1"/>
-          </a:effectRef>
-          <a:fontRef idx="minor">
-            <a:schemeClr val="tx1"/>
-          </a:fontRef>
-        </p:style>
-      </p:cxnSp>
-      <p:sp>
-        <p:nvSpPr>
-          <p:cNvPr id="37" name="Flowchart: Document 36"/>
-          <p:cNvSpPr/>
-          <p:nvPr/>
-        </p:nvSpPr>
-        <p:spPr>
-          <a:xfrm>
-            <a:off x="6156176" y="3457332"/>
-            <a:ext cx="1296144" cy="1008112"/>
-          </a:xfrm>
-          <a:prstGeom prst="flowChartDocument">
-            <a:avLst/>
-          </a:prstGeom>
-          <a:solidFill>
-            <a:srgbClr val="00B050"/>
-          </a:solidFill>
-        </p:spPr>
-        <p:style>
-          <a:lnRef idx="2">
-            <a:schemeClr val="accent1">
-              <a:shade val="50000"/>
-            </a:schemeClr>
-          </a:lnRef>
-          <a:fillRef idx="1">
-            <a:schemeClr val="accent1"/>
-          </a:fillRef>
-          <a:effectRef idx="0">
-            <a:schemeClr val="accent1"/>
-          </a:effectRef>
-          <a:fontRef idx="minor">
-            <a:schemeClr val="lt1"/>
-          </a:fontRef>
-        </p:style>
-        <p:txBody>
-          <a:bodyPr lIns="0" tIns="0" rIns="0" bIns="0" rtlCol="0" anchor="t"/>
-          <a:lstStyle/>
-          <a:p>
-            <a:pPr algn="ctr"/>
-            <a:r>
-              <a:rPr lang="en-GB" sz="1600" dirty="0" smtClean="0"/>
-              <a:t>Assembly Language</a:t>
-            </a:r>
-          </a:p>
-          <a:p>
-            <a:pPr algn="ctr"/>
-            <a:r>
-              <a:rPr lang="en-GB" sz="1600" dirty="0" smtClean="0"/>
-              <a:t>ASM file</a:t>
-            </a:r>
-          </a:p>
-          <a:p>
-            <a:pPr algn="ctr"/>
-            <a:endParaRPr lang="en-GB" sz="1600" dirty="0"/>
-          </a:p>
-        </p:txBody>
-      </p:sp>
-      <p:sp>
-        <p:nvSpPr>
-          <p:cNvPr id="38" name="Flowchart: Document 37"/>
-          <p:cNvSpPr/>
-          <p:nvPr/>
-        </p:nvSpPr>
-        <p:spPr>
-          <a:xfrm>
-            <a:off x="7668344" y="3457332"/>
-            <a:ext cx="1296144" cy="1008112"/>
-          </a:xfrm>
-          <a:prstGeom prst="flowChartDocument">
-            <a:avLst/>
-          </a:prstGeom>
-          <a:solidFill>
-            <a:srgbClr val="00B050"/>
-          </a:solidFill>
-        </p:spPr>
-        <p:style>
-          <a:lnRef idx="2">
-            <a:schemeClr val="accent1">
-              <a:shade val="50000"/>
-            </a:schemeClr>
-          </a:lnRef>
-          <a:fillRef idx="1">
-            <a:schemeClr val="accent1"/>
-          </a:fillRef>
-          <a:effectRef idx="0">
-            <a:schemeClr val="accent1"/>
-          </a:effectRef>
-          <a:fontRef idx="minor">
-            <a:schemeClr val="lt1"/>
-          </a:fontRef>
-        </p:style>
-        <p:txBody>
-          <a:bodyPr lIns="0" tIns="0" rIns="0" bIns="0" rtlCol="0" anchor="t"/>
-          <a:lstStyle/>
-          <a:p>
-            <a:pPr algn="ctr"/>
-            <a:r>
-              <a:rPr lang="en-GB" sz="1600" dirty="0" smtClean="0"/>
-              <a:t>Absolute Machine Code</a:t>
-            </a:r>
-          </a:p>
-          <a:p>
-            <a:pPr algn="ctr"/>
-            <a:r>
-              <a:rPr lang="en-GB" sz="1600" dirty="0" smtClean="0"/>
-              <a:t>HEX file</a:t>
-            </a:r>
-          </a:p>
-          <a:p>
-            <a:pPr algn="ctr"/>
-            <a:endParaRPr lang="en-GB" sz="1600" dirty="0"/>
-          </a:p>
-        </p:txBody>
-      </p:sp>
-      <p:cxnSp>
-        <p:nvCxnSpPr>
-          <p:cNvPr id="40" name="Shape 39"/>
-          <p:cNvCxnSpPr>
-            <a:stCxn id="19" idx="3"/>
-            <a:endCxn id="37" idx="0"/>
-          </p:cNvCxnSpPr>
-          <p:nvPr/>
-        </p:nvCxnSpPr>
-        <p:spPr>
-          <a:xfrm>
-            <a:off x="6660232" y="2737252"/>
-            <a:ext cx="144016" cy="720080"/>
-          </a:xfrm>
-          <a:prstGeom prst="bentConnector2">
-            <a:avLst/>
-          </a:prstGeom>
-          <a:ln>
-            <a:tailEnd type="arrow"/>
-          </a:ln>
-        </p:spPr>
-        <p:style>
-          <a:lnRef idx="1">
-            <a:schemeClr val="accent1"/>
-          </a:lnRef>
-          <a:fillRef idx="0">
-            <a:schemeClr val="accent1"/>
-          </a:fillRef>
-          <a:effectRef idx="0">
-            <a:schemeClr val="accent1"/>
-          </a:effectRef>
-          <a:fontRef idx="minor">
-            <a:schemeClr val="tx1"/>
-          </a:fontRef>
-        </p:style>
-      </p:cxnSp>
-      <p:cxnSp>
-        <p:nvCxnSpPr>
-          <p:cNvPr id="42" name="Shape 41"/>
-          <p:cNvCxnSpPr>
-            <a:stCxn id="20" idx="3"/>
-            <a:endCxn id="38" idx="0"/>
-          </p:cNvCxnSpPr>
-          <p:nvPr/>
-        </p:nvCxnSpPr>
-        <p:spPr>
-          <a:xfrm>
-            <a:off x="8172400" y="2737252"/>
-            <a:ext cx="144016" cy="720080"/>
-          </a:xfrm>
-          <a:prstGeom prst="bentConnector2">
-            <a:avLst/>
-          </a:prstGeom>
-          <a:ln>
-            <a:tailEnd type="arrow"/>
-          </a:ln>
-        </p:spPr>
-        <p:style>
-          <a:lnRef idx="1">
-            <a:schemeClr val="accent1"/>
-          </a:lnRef>
-          <a:fillRef idx="0">
-            <a:schemeClr val="accent1"/>
-          </a:fillRef>
-          <a:effectRef idx="0">
-            <a:schemeClr val="accent1"/>
-          </a:effectRef>
-          <a:fontRef idx="minor">
-            <a:schemeClr val="tx1"/>
-          </a:fontRef>
-        </p:style>
-      </p:cxnSp>
-      <p:sp>
-        <p:nvSpPr>
-          <p:cNvPr id="43" name="TextBox 42"/>
-          <p:cNvSpPr txBox="1"/>
-          <p:nvPr/>
-        </p:nvSpPr>
-        <p:spPr>
-          <a:xfrm>
-            <a:off x="6660232" y="4537452"/>
-            <a:ext cx="1615250" cy="338554"/>
-          </a:xfrm>
-          <a:prstGeom prst="rect">
-            <a:avLst/>
-          </a:prstGeom>
-          <a:noFill/>
-        </p:spPr>
-        <p:txBody>
-          <a:bodyPr wrap="none" rtlCol="0">
-            <a:spAutoFit/>
-          </a:bodyPr>
-          <a:lstStyle/>
-          <a:p>
-            <a:r>
-              <a:rPr lang="en-GB" sz="1600" dirty="0" smtClean="0"/>
-              <a:t>8 bit PIC and AVR</a:t>
-            </a:r>
-            <a:endParaRPr lang="en-GB" sz="1600" dirty="0"/>
-          </a:p>
-        </p:txBody>
-      </p:sp>
-      <p:sp>
-        <p:nvSpPr>
-          <p:cNvPr id="46" name="Title 1"/>
-          <p:cNvSpPr>
-            <a:spLocks noGrp="1"/>
-          </p:cNvSpPr>
-          <p:nvPr>
-            <p:ph type="title"/>
-          </p:nvPr>
-        </p:nvSpPr>
-        <p:spPr>
-          <a:xfrm>
-            <a:off x="0" y="0"/>
-            <a:ext cx="8229600" cy="857250"/>
-          </a:xfrm>
-        </p:spPr>
-        <p:txBody>
-          <a:bodyPr/>
-          <a:lstStyle/>
-          <a:p>
-            <a:pPr algn="l"/>
-            <a:r>
               <a:rPr lang="en-GB" dirty="0" smtClean="0"/>
-              <a:t>The core compiler</a:t>
+              <a:t>GCBASIC is an Open Source compiler for PIC, AVR and LGT microcontrollers</a:t>
+            </a:r>
+          </a:p>
+          <a:p>
+            <a:endParaRPr lang="en-GB" dirty="0" smtClean="0"/>
+          </a:p>
+          <a:p>
+            <a:r>
+              <a:rPr lang="en-GB" dirty="0" smtClean="0"/>
+              <a:t>GCBASIC now supports the 18FxxQ20 chip family</a:t>
+            </a:r>
+          </a:p>
+          <a:p>
+            <a:endParaRPr lang="en-GB" dirty="0" smtClean="0"/>
+          </a:p>
+          <a:p>
+            <a:r>
+              <a:rPr lang="en-GB" dirty="0" smtClean="0"/>
+              <a:t>GCBASIC is a cross platform with common code translation </a:t>
             </a:r>
             <a:endParaRPr lang="en-GB" dirty="0"/>
           </a:p>
         </p:txBody>
       </p:sp>
-      <p:sp>
-        <p:nvSpPr>
-          <p:cNvPr id="48" name="Flowchart: Document 47"/>
-          <p:cNvSpPr/>
-          <p:nvPr/>
-        </p:nvSpPr>
-        <p:spPr>
-          <a:xfrm>
-            <a:off x="5508104" y="843558"/>
-            <a:ext cx="1296144" cy="720080"/>
-          </a:xfrm>
-          <a:prstGeom prst="flowChartDocument">
-            <a:avLst/>
-          </a:prstGeom>
-          <a:solidFill>
-            <a:srgbClr val="00B050"/>
-          </a:solidFill>
-        </p:spPr>
-        <p:style>
-          <a:lnRef idx="2">
-            <a:schemeClr val="accent1">
-              <a:shade val="50000"/>
-            </a:schemeClr>
-          </a:lnRef>
-          <a:fillRef idx="1">
-            <a:schemeClr val="accent1"/>
-          </a:fillRef>
-          <a:effectRef idx="0">
-            <a:schemeClr val="accent1"/>
-          </a:effectRef>
-          <a:fontRef idx="minor">
-            <a:schemeClr val="lt1"/>
-          </a:fontRef>
-        </p:style>
-        <p:txBody>
-          <a:bodyPr lIns="0" tIns="0" rIns="0" bIns="0" rtlCol="0" anchor="t"/>
-          <a:lstStyle/>
-          <a:p>
-            <a:pPr algn="ctr"/>
-            <a:r>
-              <a:rPr lang="en-GB" sz="1600" dirty="0" smtClean="0"/>
-              <a:t>Reports:</a:t>
-            </a:r>
-          </a:p>
-          <a:p>
-            <a:pPr algn="ctr"/>
-            <a:r>
-              <a:rPr lang="en-GB" sz="1600" dirty="0" smtClean="0"/>
-              <a:t>TXT and HTML</a:t>
-            </a:r>
-          </a:p>
-          <a:p>
-            <a:pPr algn="ctr"/>
-            <a:endParaRPr lang="en-GB" sz="1600" dirty="0"/>
-          </a:p>
-        </p:txBody>
-      </p:sp>
-      <p:cxnSp>
-        <p:nvCxnSpPr>
-          <p:cNvPr id="57" name="Straight Arrow Connector 56"/>
-          <p:cNvCxnSpPr/>
-          <p:nvPr/>
-        </p:nvCxnSpPr>
-        <p:spPr>
-          <a:xfrm flipV="1">
-            <a:off x="6300192" y="1491630"/>
-            <a:ext cx="0" cy="648072"/>
-          </a:xfrm>
-          <a:prstGeom prst="straightConnector1">
-            <a:avLst/>
-          </a:prstGeom>
-          <a:ln>
-            <a:tailEnd type="arrow"/>
-          </a:ln>
-        </p:spPr>
-        <p:style>
-          <a:lnRef idx="1">
-            <a:schemeClr val="accent1"/>
-          </a:lnRef>
-          <a:fillRef idx="0">
-            <a:schemeClr val="accent1"/>
-          </a:fillRef>
-          <a:effectRef idx="0">
-            <a:schemeClr val="accent1"/>
-          </a:effectRef>
-          <a:fontRef idx="minor">
-            <a:schemeClr val="tx1"/>
-          </a:fontRef>
-        </p:style>
-      </p:cxnSp>
-      <p:sp>
-        <p:nvSpPr>
-          <p:cNvPr id="45" name="TextBox 44"/>
-          <p:cNvSpPr txBox="1"/>
-          <p:nvPr/>
-        </p:nvSpPr>
-        <p:spPr>
-          <a:xfrm>
-            <a:off x="4208537" y="1948959"/>
-            <a:ext cx="2672270" cy="369332"/>
-          </a:xfrm>
-          <a:prstGeom prst="rect">
-            <a:avLst/>
-          </a:prstGeom>
-          <a:solidFill>
-            <a:schemeClr val="accent1">
-              <a:lumMod val="20000"/>
-              <a:lumOff val="80000"/>
-            </a:schemeClr>
-          </a:solidFill>
-          <a:ln>
-            <a:solidFill>
-              <a:schemeClr val="accent1"/>
-            </a:solidFill>
-          </a:ln>
-        </p:spPr>
-        <p:txBody>
-          <a:bodyPr wrap="none" rtlCol="0">
-            <a:spAutoFit/>
-          </a:bodyPr>
-          <a:lstStyle/>
-          <a:p>
-            <a:r>
-              <a:rPr lang="en-GB" dirty="0" smtClean="0"/>
-              <a:t>Great Cow BASIC Compiler</a:t>
-            </a:r>
-            <a:endParaRPr lang="en-GB" dirty="0"/>
-          </a:p>
-        </p:txBody>
-      </p:sp>
     </p:spTree>
+    <p:extLst>
+      <p:ext uri="{BB962C8B-B14F-4D97-AF65-F5344CB8AC3E}">
+        <p14:creationId xmlns:p14="http://schemas.microsoft.com/office/powerpoint/2010/main" val="4063043377"/>
+      </p:ext>
+    </p:extLst>
   </p:cSld>
   <p:clrMapOvr>
     <a:masterClrMapping/>
@@ -6008,7 +5725,7 @@
         <p:spPr>
           <a:xfrm>
             <a:off x="2051720" y="2161188"/>
-            <a:ext cx="4796755" cy="1152128"/>
+            <a:ext cx="6480720" cy="1152128"/>
           </a:xfrm>
           <a:prstGeom prst="flowChartProcess">
             <a:avLst/>
@@ -6083,7 +5800,7 @@
             <a:pPr algn="ctr"/>
             <a:r>
               <a:rPr lang="en-GB" sz="1200" dirty="0" smtClean="0"/>
-              <a:t>Great Cow BASIC </a:t>
+              <a:t>GCBASIC </a:t>
             </a:r>
             <a:r>
               <a:rPr lang="en-GB" sz="1600" dirty="0" smtClean="0"/>
@@ -6327,11 +6044,6 @@
           <a:prstGeom prst="flowChartProcess">
             <a:avLst/>
           </a:prstGeom>
-          <a:ln>
-            <a:solidFill>
-              <a:srgbClr val="FF0000"/>
-            </a:solidFill>
-          </a:ln>
         </p:spPr>
         <p:style>
           <a:lnRef idx="2">
@@ -6405,6 +6117,42 @@
           <a:xfrm>
             <a:off x="5220072" y="2737252"/>
             <a:ext cx="216024" cy="0"/>
+          </a:xfrm>
+          <a:prstGeom prst="straightConnector1">
+            <a:avLst/>
+          </a:prstGeom>
+          <a:ln>
+            <a:tailEnd type="arrow"/>
+          </a:ln>
+        </p:spPr>
+        <p:style>
+          <a:lnRef idx="1">
+            <a:schemeClr val="accent1"/>
+          </a:lnRef>
+          <a:fillRef idx="0">
+            <a:schemeClr val="accent1"/>
+          </a:fillRef>
+          <a:effectRef idx="0">
+            <a:schemeClr val="accent1"/>
+          </a:effectRef>
+          <a:fontRef idx="minor">
+            <a:schemeClr val="tx1"/>
+          </a:fontRef>
+        </p:style>
+      </p:cxnSp>
+      <p:cxnSp>
+        <p:nvCxnSpPr>
+          <p:cNvPr id="29" name="Straight Arrow Connector 28"/>
+          <p:cNvCxnSpPr>
+            <a:stCxn id="19" idx="3"/>
+            <a:endCxn id="20" idx="1"/>
+          </p:cNvCxnSpPr>
+          <p:nvPr/>
+        </p:nvCxnSpPr>
+        <p:spPr>
+          <a:xfrm>
+            <a:off x="6660232" y="2737252"/>
+            <a:ext cx="288032" cy="0"/>
           </a:xfrm>
           <a:prstGeom prst="straightConnector1">
             <a:avLst/>
@@ -6578,7 +6326,7 @@
             <a:pPr algn="ctr"/>
             <a:r>
               <a:rPr lang="en-GB" sz="1600" dirty="0" smtClean="0"/>
-              <a:t>file</a:t>
+              <a:t>ASM file</a:t>
             </a:r>
           </a:p>
           <a:p>
@@ -6724,8 +6472,8 @@
         </p:nvSpPr>
         <p:spPr>
           <a:xfrm>
-            <a:off x="6660232" y="4537452"/>
-            <a:ext cx="1615250" cy="338554"/>
+            <a:off x="5492548" y="4659982"/>
+            <a:ext cx="2750818" cy="338554"/>
           </a:xfrm>
           <a:prstGeom prst="rect">
             <a:avLst/>
@@ -6740,7 +6488,7 @@
           <a:p>
             <a:r>
               <a:rPr lang="en-GB" sz="1600" dirty="0" smtClean="0"/>
-              <a:t>8 bit PIC and AVR</a:t>
+              <a:t>8 bit PIC, AVR, AVR-DX and LGT</a:t>
             </a:r>
             <a:endParaRPr lang="en-GB" sz="1600" dirty="0"/>
           </a:p>
@@ -6769,7 +6517,7 @@
             <a:pPr algn="l"/>
             <a:r>
               <a:rPr lang="en-GB" dirty="0" smtClean="0"/>
-              <a:t>Using MPLAB-X</a:t>
+              <a:t>The core compiler</a:t>
             </a:r>
             <a:endParaRPr lang="en-GB" dirty="0"/>
           </a:p>
@@ -6777,86 +6525,7 @@
       </p:sp>
       <p:sp>
         <p:nvSpPr>
-          <p:cNvPr id="24" name="TextBox 23"/>
-          <p:cNvSpPr txBox="1"/>
-          <p:nvPr/>
-        </p:nvSpPr>
-        <p:spPr>
-          <a:xfrm>
-            <a:off x="6960121" y="1724025"/>
-            <a:ext cx="1255712" cy="461665"/>
-          </a:xfrm>
-          <a:prstGeom prst="rect">
-            <a:avLst/>
-          </a:prstGeom>
-          <a:noFill/>
-          <a:ln w="28575">
-            <a:solidFill>
-              <a:srgbClr val="FF0000"/>
-            </a:solidFill>
-          </a:ln>
-        </p:spPr>
-        <p:txBody>
-          <a:bodyPr wrap="square" rtlCol="0">
-            <a:spAutoFit/>
-          </a:bodyPr>
-          <a:lstStyle/>
-          <a:p>
-            <a:pPr algn="ctr"/>
-            <a:r>
-              <a:rPr lang="en-GB" sz="1200" dirty="0" smtClean="0"/>
-              <a:t>PIC-AS,  </a:t>
-            </a:r>
-          </a:p>
-          <a:p>
-            <a:pPr algn="ctr"/>
-            <a:r>
-              <a:rPr lang="en-GB" sz="1200" dirty="0" smtClean="0"/>
-              <a:t>MPLAB-IDE </a:t>
-            </a:r>
-            <a:endParaRPr lang="en-GB" sz="1200" dirty="0"/>
-          </a:p>
-        </p:txBody>
-      </p:sp>
-      <p:cxnSp>
-        <p:nvCxnSpPr>
-          <p:cNvPr id="28" name="Shape 27"/>
-          <p:cNvCxnSpPr>
-            <a:stCxn id="37" idx="3"/>
-            <a:endCxn id="20" idx="2"/>
-          </p:cNvCxnSpPr>
-          <p:nvPr/>
-        </p:nvCxnSpPr>
-        <p:spPr>
-          <a:xfrm flipV="1">
-            <a:off x="7452320" y="3025284"/>
-            <a:ext cx="108012" cy="936104"/>
-          </a:xfrm>
-          <a:prstGeom prst="bentConnector2">
-            <a:avLst/>
-          </a:prstGeom>
-          <a:ln>
-            <a:tailEnd type="arrow"/>
-          </a:ln>
-        </p:spPr>
-        <p:style>
-          <a:lnRef idx="1">
-            <a:schemeClr val="accent1"/>
-          </a:lnRef>
-          <a:fillRef idx="0">
-            <a:schemeClr val="accent1"/>
-          </a:fillRef>
-          <a:effectRef idx="0">
-            <a:schemeClr val="accent1"/>
-          </a:effectRef>
-          <a:fontRef idx="minor">
-            <a:schemeClr val="tx1"/>
-          </a:fontRef>
-        </p:style>
-      </p:cxnSp>
-      <p:sp>
-        <p:nvSpPr>
-          <p:cNvPr id="33" name="Flowchart: Document 32"/>
+          <p:cNvPr id="48" name="Flowchart: Document 47"/>
           <p:cNvSpPr/>
           <p:nvPr/>
         </p:nvSpPr>
@@ -6913,7 +6582,7 @@
       </p:sp>
       <p:cxnSp>
         <p:nvCxnSpPr>
-          <p:cNvPr id="35" name="Straight Arrow Connector 34"/>
+          <p:cNvPr id="57" name="Straight Arrow Connector 56"/>
           <p:cNvCxnSpPr/>
           <p:nvPr/>
         </p:nvCxnSpPr>
@@ -6952,8 +6621,8 @@
         </p:nvSpPr>
         <p:spPr>
           <a:xfrm>
-            <a:off x="3764310" y="1905000"/>
-            <a:ext cx="2672270" cy="369332"/>
+            <a:off x="4208537" y="1948959"/>
+            <a:ext cx="1807995" cy="353943"/>
           </a:xfrm>
           <a:prstGeom prst="rect">
             <a:avLst/>
@@ -6978,13 +6647,18 @@
           <a:p>
             <a:r>
               <a:rPr lang="en-GB" dirty="0" smtClean="0"/>
-              <a:t>Great Cow BASIC Compiler</a:t>
+              <a:t>GCBASIC Compiler</a:t>
             </a:r>
             <a:endParaRPr lang="en-GB" dirty="0"/>
           </a:p>
         </p:txBody>
       </p:sp>
     </p:spTree>
+    <p:extLst>
+      <p:ext uri="{BB962C8B-B14F-4D97-AF65-F5344CB8AC3E}">
+        <p14:creationId xmlns:p14="http://schemas.microsoft.com/office/powerpoint/2010/main" val="911220629"/>
+      </p:ext>
+    </p:extLst>
   </p:cSld>
   <p:clrMapOvr>
     <a:masterClrMapping/>
@@ -7019,198 +6693,1002 @@
       </p:grpSpPr>
       <p:sp>
         <p:nvSpPr>
-          <p:cNvPr id="2" name="Title 1"/>
-          <p:cNvSpPr>
-            <a:spLocks noGrp="1"/>
-          </p:cNvSpPr>
-          <p:nvPr>
-            <p:ph type="title"/>
-          </p:nvPr>
-        </p:nvSpPr>
-        <p:spPr>
-          <a:xfrm>
-            <a:off x="2" y="1"/>
-            <a:ext cx="8229601" cy="857250"/>
-          </a:xfrm>
-        </p:spPr>
-        <p:txBody>
-          <a:bodyPr/>
-          <a:lstStyle/>
-          <a:p>
-            <a:pPr algn="l"/>
-            <a:r>
-              <a:rPr lang="en-GB" dirty="0" smtClean="0"/>
-              <a:t>Hardware</a:t>
-            </a:r>
-            <a:endParaRPr lang="en-GB" dirty="0"/>
-          </a:p>
-        </p:txBody>
-      </p:sp>
-      <p:sp>
-        <p:nvSpPr>
-          <p:cNvPr id="3" name="Content Placeholder 2"/>
-          <p:cNvSpPr>
-            <a:spLocks noGrp="1"/>
-          </p:cNvSpPr>
-          <p:nvPr>
-            <p:ph idx="1"/>
-          </p:nvPr>
-        </p:nvSpPr>
-        <p:spPr>
-          <a:xfrm>
-            <a:off x="179514" y="1210800"/>
-            <a:ext cx="8229601" cy="3394472"/>
-          </a:xfrm>
-        </p:spPr>
-        <p:txBody>
-          <a:bodyPr/>
-          <a:lstStyle/>
-          <a:p>
-            <a:r>
-              <a:rPr lang="en-GB" dirty="0" smtClean="0"/>
-              <a:t>Microchip Low Pin Count Demo Board</a:t>
-            </a:r>
-            <a:endParaRPr lang="en-GB" dirty="0"/>
-          </a:p>
-        </p:txBody>
-      </p:sp>
-      <p:grpSp>
-        <p:nvGrpSpPr>
-          <p:cNvPr id="6" name="Group 5"/>
-          <p:cNvGrpSpPr/>
+          <p:cNvPr id="44" name="Flowchart: Process 43"/>
+          <p:cNvSpPr/>
           <p:nvPr/>
-        </p:nvGrpSpPr>
-        <p:grpSpPr>
-          <a:xfrm>
-            <a:off x="323528" y="1923678"/>
-            <a:ext cx="3600400" cy="2657122"/>
-            <a:chOff x="1475656" y="1851670"/>
-            <a:chExt cx="3600400" cy="2657122"/>
-          </a:xfrm>
-        </p:grpSpPr>
-        <p:pic>
-          <p:nvPicPr>
-            <p:cNvPr id="1026" name="Picture 2" descr="See the source image"/>
-            <p:cNvPicPr>
-              <a:picLocks noChangeAspect="1" noChangeArrowheads="1"/>
-            </p:cNvPicPr>
-            <p:nvPr/>
-          </p:nvPicPr>
-          <p:blipFill>
-            <a:blip r:embed="rId2" cstate="print"/>
-            <a:srcRect/>
-            <a:stretch>
-              <a:fillRect/>
-            </a:stretch>
-          </p:blipFill>
-          <p:spPr bwMode="auto">
-            <a:xfrm rot="786728">
-              <a:off x="1475656" y="1851670"/>
-              <a:ext cx="3600400" cy="2657122"/>
-            </a:xfrm>
-            <a:prstGeom prst="rect">
-              <a:avLst/>
-            </a:prstGeom>
-            <a:noFill/>
-          </p:spPr>
-        </p:pic>
-        <p:pic>
-          <p:nvPicPr>
-            <p:cNvPr id="1027" name="Picture 3"/>
-            <p:cNvPicPr>
-              <a:picLocks noChangeAspect="1" noChangeArrowheads="1"/>
-            </p:cNvPicPr>
-            <p:nvPr/>
-          </p:nvPicPr>
-          <p:blipFill>
-            <a:blip r:embed="rId3" cstate="print"/>
-            <a:srcRect t="26867" b="13144"/>
-            <a:stretch>
-              <a:fillRect/>
-            </a:stretch>
-          </p:blipFill>
-          <p:spPr bwMode="auto">
-            <a:xfrm>
-              <a:off x="3559944" y="2915667"/>
-              <a:ext cx="792088" cy="181014"/>
-            </a:xfrm>
-            <a:prstGeom prst="rect">
-              <a:avLst/>
-            </a:prstGeom>
-            <a:noFill/>
-            <a:ln w="9525">
-              <a:noFill/>
-              <a:miter lim="800000"/>
-              <a:headEnd/>
-              <a:tailEnd/>
-            </a:ln>
-            <a:effectLst/>
-          </p:spPr>
-        </p:pic>
-      </p:grpSp>
-      <p:pic>
-        <p:nvPicPr>
-          <p:cNvPr id="1028" name="Picture 4"/>
-          <p:cNvPicPr>
-            <a:picLocks noChangeAspect="1" noChangeArrowheads="1"/>
-          </p:cNvPicPr>
+        </p:nvSpPr>
+        <p:spPr>
+          <a:xfrm>
+            <a:off x="2051720" y="2161188"/>
+            <a:ext cx="4796755" cy="1152128"/>
+          </a:xfrm>
+          <a:prstGeom prst="flowChartProcess">
+            <a:avLst/>
+          </a:prstGeom>
+          <a:solidFill>
+            <a:schemeClr val="accent1">
+              <a:lumMod val="20000"/>
+              <a:lumOff val="80000"/>
+            </a:schemeClr>
+          </a:solidFill>
+        </p:spPr>
+        <p:style>
+          <a:lnRef idx="2">
+            <a:schemeClr val="accent1">
+              <a:shade val="50000"/>
+            </a:schemeClr>
+          </a:lnRef>
+          <a:fillRef idx="1">
+            <a:schemeClr val="accent1"/>
+          </a:fillRef>
+          <a:effectRef idx="0">
+            <a:schemeClr val="accent1"/>
+          </a:effectRef>
+          <a:fontRef idx="minor">
+            <a:schemeClr val="lt1"/>
+          </a:fontRef>
+        </p:style>
+        <p:txBody>
+          <a:bodyPr rtlCol="0" anchor="ctr"/>
+          <a:lstStyle/>
+          <a:p>
+            <a:pPr algn="ctr"/>
+            <a:endParaRPr lang="en-GB"/>
+          </a:p>
+        </p:txBody>
+      </p:sp>
+      <p:sp>
+        <p:nvSpPr>
+          <p:cNvPr id="4" name="Oval 3"/>
+          <p:cNvSpPr/>
           <p:nvPr/>
-        </p:nvPicPr>
-        <p:blipFill>
-          <a:blip r:embed="rId4" cstate="print"/>
-          <a:srcRect/>
-          <a:stretch>
-            <a:fillRect/>
-          </a:stretch>
-        </p:blipFill>
-        <p:spPr bwMode="auto">
-          <a:xfrm>
-            <a:off x="5148064" y="2427734"/>
-            <a:ext cx="3568848" cy="1603014"/>
+        </p:nvSpPr>
+        <p:spPr>
+          <a:xfrm>
+            <a:off x="107504" y="2161187"/>
+            <a:ext cx="1605103" cy="1425217"/>
+          </a:xfrm>
+          <a:prstGeom prst="ellipse">
+            <a:avLst/>
+          </a:prstGeom>
+        </p:spPr>
+        <p:style>
+          <a:lnRef idx="2">
+            <a:schemeClr val="accent1">
+              <a:shade val="50000"/>
+            </a:schemeClr>
+          </a:lnRef>
+          <a:fillRef idx="1">
+            <a:schemeClr val="accent1"/>
+          </a:fillRef>
+          <a:effectRef idx="0">
+            <a:schemeClr val="accent1"/>
+          </a:effectRef>
+          <a:fontRef idx="minor">
+            <a:schemeClr val="lt1"/>
+          </a:fontRef>
+        </p:style>
+        <p:txBody>
+          <a:bodyPr lIns="0" tIns="0" rIns="0" bIns="0" rtlCol="0" anchor="ctr"/>
+          <a:lstStyle/>
+          <a:p>
+            <a:pPr algn="ctr"/>
+            <a:r>
+              <a:rPr lang="en-GB" sz="1200" dirty="0" smtClean="0"/>
+              <a:t>GCBASIC </a:t>
+            </a:r>
+            <a:r>
+              <a:rPr lang="en-GB" sz="1600" dirty="0" smtClean="0"/>
+              <a:t>Compiler</a:t>
+            </a:r>
+            <a:endParaRPr lang="en-GB" sz="1200" dirty="0"/>
+          </a:p>
+        </p:txBody>
+      </p:sp>
+      <p:sp>
+        <p:nvSpPr>
+          <p:cNvPr id="15" name="Flowchart: Document 14"/>
+          <p:cNvSpPr/>
+          <p:nvPr/>
+        </p:nvSpPr>
+        <p:spPr>
+          <a:xfrm>
+            <a:off x="2451115" y="1297092"/>
+            <a:ext cx="1152128" cy="720080"/>
+          </a:xfrm>
+          <a:prstGeom prst="flowChartDocument">
+            <a:avLst/>
+          </a:prstGeom>
+        </p:spPr>
+        <p:style>
+          <a:lnRef idx="2">
+            <a:schemeClr val="accent1">
+              <a:shade val="50000"/>
+            </a:schemeClr>
+          </a:lnRef>
+          <a:fillRef idx="1">
+            <a:schemeClr val="accent1"/>
+          </a:fillRef>
+          <a:effectRef idx="0">
+            <a:schemeClr val="accent1"/>
+          </a:effectRef>
+          <a:fontRef idx="minor">
+            <a:schemeClr val="lt1"/>
+          </a:fontRef>
+        </p:style>
+        <p:txBody>
+          <a:bodyPr rtlCol="0" anchor="ctr"/>
+          <a:lstStyle/>
+          <a:p>
+            <a:pPr algn="ctr"/>
+            <a:r>
+              <a:rPr lang="en-GB" sz="1600" dirty="0" smtClean="0"/>
+              <a:t>Source Code</a:t>
+            </a:r>
+            <a:endParaRPr lang="en-GB" sz="1600" dirty="0"/>
+          </a:p>
+        </p:txBody>
+      </p:sp>
+      <p:sp>
+        <p:nvSpPr>
+          <p:cNvPr id="16" name="Flowchart: Process 15"/>
+          <p:cNvSpPr/>
+          <p:nvPr/>
+        </p:nvSpPr>
+        <p:spPr>
+          <a:xfrm>
+            <a:off x="2271095" y="2449220"/>
+            <a:ext cx="1512168" cy="576064"/>
+          </a:xfrm>
+          <a:prstGeom prst="flowChartProcess">
+            <a:avLst/>
+          </a:prstGeom>
+        </p:spPr>
+        <p:style>
+          <a:lnRef idx="2">
+            <a:schemeClr val="accent1">
+              <a:shade val="50000"/>
+            </a:schemeClr>
+          </a:lnRef>
+          <a:fillRef idx="1">
+            <a:schemeClr val="accent1"/>
+          </a:fillRef>
+          <a:effectRef idx="0">
+            <a:schemeClr val="accent1"/>
+          </a:effectRef>
+          <a:fontRef idx="minor">
+            <a:schemeClr val="lt1"/>
+          </a:fontRef>
+        </p:style>
+        <p:txBody>
+          <a:bodyPr rtlCol="0" anchor="ctr"/>
+          <a:lstStyle/>
+          <a:p>
+            <a:pPr algn="ctr"/>
+            <a:r>
+              <a:rPr lang="en-GB" sz="1600" dirty="0" err="1" smtClean="0"/>
+              <a:t>Preprocessor</a:t>
+            </a:r>
+            <a:endParaRPr lang="en-GB" sz="1600" dirty="0"/>
+          </a:p>
+        </p:txBody>
+      </p:sp>
+      <p:sp>
+        <p:nvSpPr>
+          <p:cNvPr id="17" name="Flowchart: Document 16"/>
+          <p:cNvSpPr/>
+          <p:nvPr/>
+        </p:nvSpPr>
+        <p:spPr>
+          <a:xfrm>
+            <a:off x="2451115" y="3601348"/>
+            <a:ext cx="1152128" cy="720080"/>
+          </a:xfrm>
+          <a:prstGeom prst="flowChartDocument">
+            <a:avLst/>
+          </a:prstGeom>
+        </p:spPr>
+        <p:style>
+          <a:lnRef idx="2">
+            <a:schemeClr val="accent1">
+              <a:shade val="50000"/>
+            </a:schemeClr>
+          </a:lnRef>
+          <a:fillRef idx="1">
+            <a:schemeClr val="accent1"/>
+          </a:fillRef>
+          <a:effectRef idx="0">
+            <a:schemeClr val="accent1"/>
+          </a:effectRef>
+          <a:fontRef idx="minor">
+            <a:schemeClr val="lt1"/>
+          </a:fontRef>
+        </p:style>
+        <p:txBody>
+          <a:bodyPr rtlCol="0" anchor="ctr"/>
+          <a:lstStyle/>
+          <a:p>
+            <a:pPr algn="ctr"/>
+            <a:r>
+              <a:rPr lang="en-GB" sz="1600" dirty="0" smtClean="0"/>
+              <a:t>Libraries</a:t>
+            </a:r>
+            <a:endParaRPr lang="en-GB" sz="1600" dirty="0"/>
+          </a:p>
+        </p:txBody>
+      </p:sp>
+      <p:sp>
+        <p:nvSpPr>
+          <p:cNvPr id="18" name="Flowchart: Process 17"/>
+          <p:cNvSpPr/>
+          <p:nvPr/>
+        </p:nvSpPr>
+        <p:spPr>
+          <a:xfrm>
+            <a:off x="3995936" y="2449220"/>
+            <a:ext cx="1224136" cy="576064"/>
+          </a:xfrm>
+          <a:prstGeom prst="flowChartProcess">
+            <a:avLst/>
+          </a:prstGeom>
+        </p:spPr>
+        <p:style>
+          <a:lnRef idx="2">
+            <a:schemeClr val="accent1">
+              <a:shade val="50000"/>
+            </a:schemeClr>
+          </a:lnRef>
+          <a:fillRef idx="1">
+            <a:schemeClr val="accent1"/>
+          </a:fillRef>
+          <a:effectRef idx="0">
+            <a:schemeClr val="accent1"/>
+          </a:effectRef>
+          <a:fontRef idx="minor">
+            <a:schemeClr val="lt1"/>
+          </a:fontRef>
+        </p:style>
+        <p:txBody>
+          <a:bodyPr rtlCol="0" anchor="ctr"/>
+          <a:lstStyle/>
+          <a:p>
+            <a:pPr algn="ctr"/>
+            <a:r>
+              <a:rPr lang="en-GB" sz="1600" dirty="0" smtClean="0"/>
+              <a:t>Code Translator</a:t>
+            </a:r>
+            <a:endParaRPr lang="en-GB" sz="1600" dirty="0"/>
+          </a:p>
+        </p:txBody>
+      </p:sp>
+      <p:sp>
+        <p:nvSpPr>
+          <p:cNvPr id="19" name="Flowchart: Process 18"/>
+          <p:cNvSpPr/>
+          <p:nvPr/>
+        </p:nvSpPr>
+        <p:spPr>
+          <a:xfrm>
+            <a:off x="5436096" y="2449220"/>
+            <a:ext cx="1224136" cy="576064"/>
+          </a:xfrm>
+          <a:prstGeom prst="flowChartProcess">
+            <a:avLst/>
+          </a:prstGeom>
+        </p:spPr>
+        <p:style>
+          <a:lnRef idx="2">
+            <a:schemeClr val="accent1">
+              <a:shade val="50000"/>
+            </a:schemeClr>
+          </a:lnRef>
+          <a:fillRef idx="1">
+            <a:schemeClr val="accent1"/>
+          </a:fillRef>
+          <a:effectRef idx="0">
+            <a:schemeClr val="accent1"/>
+          </a:effectRef>
+          <a:fontRef idx="minor">
+            <a:schemeClr val="lt1"/>
+          </a:fontRef>
+        </p:style>
+        <p:txBody>
+          <a:bodyPr rtlCol="0" anchor="ctr"/>
+          <a:lstStyle/>
+          <a:p>
+            <a:pPr algn="ctr"/>
+            <a:r>
+              <a:rPr lang="en-GB" sz="1600" dirty="0" smtClean="0"/>
+              <a:t>Assembler</a:t>
+            </a:r>
+            <a:endParaRPr lang="en-GB" sz="1600" dirty="0"/>
+          </a:p>
+        </p:txBody>
+      </p:sp>
+      <p:sp>
+        <p:nvSpPr>
+          <p:cNvPr id="20" name="Flowchart: Process 19"/>
+          <p:cNvSpPr/>
+          <p:nvPr/>
+        </p:nvSpPr>
+        <p:spPr>
+          <a:xfrm>
+            <a:off x="6948264" y="2449220"/>
+            <a:ext cx="1224136" cy="576064"/>
+          </a:xfrm>
+          <a:prstGeom prst="flowChartProcess">
+            <a:avLst/>
+          </a:prstGeom>
+          <a:ln>
+            <a:solidFill>
+              <a:srgbClr val="FF0000"/>
+            </a:solidFill>
+          </a:ln>
+        </p:spPr>
+        <p:style>
+          <a:lnRef idx="2">
+            <a:schemeClr val="accent1">
+              <a:shade val="50000"/>
+            </a:schemeClr>
+          </a:lnRef>
+          <a:fillRef idx="1">
+            <a:schemeClr val="accent1"/>
+          </a:fillRef>
+          <a:effectRef idx="0">
+            <a:schemeClr val="accent1"/>
+          </a:effectRef>
+          <a:fontRef idx="minor">
+            <a:schemeClr val="lt1"/>
+          </a:fontRef>
+        </p:style>
+        <p:txBody>
+          <a:bodyPr rtlCol="0" anchor="ctr"/>
+          <a:lstStyle/>
+          <a:p>
+            <a:pPr algn="ctr"/>
+            <a:r>
+              <a:rPr lang="en-GB" sz="1600" dirty="0" smtClean="0"/>
+              <a:t>Linker</a:t>
+            </a:r>
+            <a:endParaRPr lang="en-GB" sz="1600" dirty="0"/>
+          </a:p>
+        </p:txBody>
+      </p:sp>
+      <p:sp>
+        <p:nvSpPr>
+          <p:cNvPr id="21" name="TextBox 20"/>
+          <p:cNvSpPr txBox="1"/>
+          <p:nvPr/>
+        </p:nvSpPr>
+        <p:spPr>
+          <a:xfrm>
+            <a:off x="2066182" y="920259"/>
+            <a:ext cx="1874296" cy="338554"/>
           </a:xfrm>
           <a:prstGeom prst="rect">
             <a:avLst/>
           </a:prstGeom>
           <a:noFill/>
-          <a:ln w="9525">
-            <a:noFill/>
-            <a:miter lim="800000"/>
-            <a:headEnd/>
-            <a:tailEnd/>
+        </p:spPr>
+        <p:txBody>
+          <a:bodyPr wrap="none" rtlCol="0">
+            <a:spAutoFit/>
+          </a:bodyPr>
+          <a:lstStyle/>
+          <a:p>
+            <a:r>
+              <a:rPr lang="en-GB" sz="1600" dirty="0" smtClean="0"/>
+              <a:t>High Level Language</a:t>
+            </a:r>
+            <a:endParaRPr lang="en-GB" sz="1600" dirty="0"/>
+          </a:p>
+        </p:txBody>
+      </p:sp>
+      <p:cxnSp>
+        <p:nvCxnSpPr>
+          <p:cNvPr id="27" name="Straight Arrow Connector 26"/>
+          <p:cNvCxnSpPr>
+            <a:stCxn id="18" idx="3"/>
+            <a:endCxn id="19" idx="1"/>
+          </p:cNvCxnSpPr>
+          <p:nvPr/>
+        </p:nvCxnSpPr>
+        <p:spPr>
+          <a:xfrm>
+            <a:off x="5220072" y="2737252"/>
+            <a:ext cx="216024" cy="0"/>
+          </a:xfrm>
+          <a:prstGeom prst="straightConnector1">
+            <a:avLst/>
+          </a:prstGeom>
+          <a:ln>
+            <a:tailEnd type="arrow"/>
           </a:ln>
-          <a:effectLst/>
-        </p:spPr>
-      </p:pic>
-      <p:sp>
-        <p:nvSpPr>
-          <p:cNvPr id="8" name="Rectangle 7"/>
+        </p:spPr>
+        <p:style>
+          <a:lnRef idx="1">
+            <a:schemeClr val="accent1"/>
+          </a:lnRef>
+          <a:fillRef idx="0">
+            <a:schemeClr val="accent1"/>
+          </a:fillRef>
+          <a:effectRef idx="0">
+            <a:schemeClr val="accent1"/>
+          </a:effectRef>
+          <a:fontRef idx="minor">
+            <a:schemeClr val="tx1"/>
+          </a:fontRef>
+        </p:style>
+      </p:cxnSp>
+      <p:cxnSp>
+        <p:nvCxnSpPr>
+          <p:cNvPr id="32" name="Straight Arrow Connector 31"/>
+          <p:cNvCxnSpPr/>
+          <p:nvPr/>
+        </p:nvCxnSpPr>
+        <p:spPr>
+          <a:xfrm>
+            <a:off x="3027179" y="1969567"/>
+            <a:ext cx="0" cy="479653"/>
+          </a:xfrm>
+          <a:prstGeom prst="straightConnector1">
+            <a:avLst/>
+          </a:prstGeom>
+          <a:ln>
+            <a:tailEnd type="arrow"/>
+          </a:ln>
+        </p:spPr>
+        <p:style>
+          <a:lnRef idx="1">
+            <a:schemeClr val="accent1"/>
+          </a:lnRef>
+          <a:fillRef idx="0">
+            <a:schemeClr val="accent1"/>
+          </a:fillRef>
+          <a:effectRef idx="0">
+            <a:schemeClr val="accent1"/>
+          </a:effectRef>
+          <a:fontRef idx="minor">
+            <a:schemeClr val="tx1"/>
+          </a:fontRef>
+        </p:style>
+      </p:cxnSp>
+      <p:cxnSp>
+        <p:nvCxnSpPr>
+          <p:cNvPr id="34" name="Straight Arrow Connector 33"/>
+          <p:cNvCxnSpPr/>
+          <p:nvPr/>
+        </p:nvCxnSpPr>
+        <p:spPr>
+          <a:xfrm flipV="1">
+            <a:off x="3027179" y="3025284"/>
+            <a:ext cx="0" cy="576064"/>
+          </a:xfrm>
+          <a:prstGeom prst="straightConnector1">
+            <a:avLst/>
+          </a:prstGeom>
+          <a:ln>
+            <a:tailEnd type="arrow"/>
+          </a:ln>
+        </p:spPr>
+        <p:style>
+          <a:lnRef idx="1">
+            <a:schemeClr val="accent1"/>
+          </a:lnRef>
+          <a:fillRef idx="0">
+            <a:schemeClr val="accent1"/>
+          </a:fillRef>
+          <a:effectRef idx="0">
+            <a:schemeClr val="accent1"/>
+          </a:effectRef>
+          <a:fontRef idx="minor">
+            <a:schemeClr val="tx1"/>
+          </a:fontRef>
+        </p:style>
+      </p:cxnSp>
+      <p:cxnSp>
+        <p:nvCxnSpPr>
+          <p:cNvPr id="36" name="Straight Arrow Connector 35"/>
+          <p:cNvCxnSpPr>
+            <a:stCxn id="16" idx="3"/>
+            <a:endCxn id="18" idx="1"/>
+          </p:cNvCxnSpPr>
+          <p:nvPr/>
+        </p:nvCxnSpPr>
+        <p:spPr>
+          <a:xfrm>
+            <a:off x="3783263" y="2737252"/>
+            <a:ext cx="212673" cy="0"/>
+          </a:xfrm>
+          <a:prstGeom prst="straightConnector1">
+            <a:avLst/>
+          </a:prstGeom>
+          <a:ln>
+            <a:tailEnd type="arrow"/>
+          </a:ln>
+        </p:spPr>
+        <p:style>
+          <a:lnRef idx="1">
+            <a:schemeClr val="accent1"/>
+          </a:lnRef>
+          <a:fillRef idx="0">
+            <a:schemeClr val="accent1"/>
+          </a:fillRef>
+          <a:effectRef idx="0">
+            <a:schemeClr val="accent1"/>
+          </a:effectRef>
+          <a:fontRef idx="minor">
+            <a:schemeClr val="tx1"/>
+          </a:fontRef>
+        </p:style>
+      </p:cxnSp>
+      <p:sp>
+        <p:nvSpPr>
+          <p:cNvPr id="37" name="Flowchart: Document 36"/>
           <p:cNvSpPr/>
           <p:nvPr/>
         </p:nvSpPr>
         <p:spPr>
           <a:xfrm>
-            <a:off x="467545" y="4256738"/>
-            <a:ext cx="3168353" cy="255170"/>
+            <a:off x="6156176" y="3457332"/>
+            <a:ext cx="1296144" cy="1008112"/>
+          </a:xfrm>
+          <a:prstGeom prst="flowChartDocument">
+            <a:avLst/>
+          </a:prstGeom>
+          <a:solidFill>
+            <a:srgbClr val="00B050"/>
+          </a:solidFill>
+        </p:spPr>
+        <p:style>
+          <a:lnRef idx="2">
+            <a:schemeClr val="accent1">
+              <a:shade val="50000"/>
+            </a:schemeClr>
+          </a:lnRef>
+          <a:fillRef idx="1">
+            <a:schemeClr val="accent1"/>
+          </a:fillRef>
+          <a:effectRef idx="0">
+            <a:schemeClr val="accent1"/>
+          </a:effectRef>
+          <a:fontRef idx="minor">
+            <a:schemeClr val="lt1"/>
+          </a:fontRef>
+        </p:style>
+        <p:txBody>
+          <a:bodyPr lIns="0" tIns="0" rIns="0" bIns="0" rtlCol="0" anchor="t"/>
+          <a:lstStyle/>
+          <a:p>
+            <a:pPr algn="ctr"/>
+            <a:r>
+              <a:rPr lang="en-GB" sz="1600" dirty="0" smtClean="0"/>
+              <a:t>Assembly Language</a:t>
+            </a:r>
+          </a:p>
+          <a:p>
+            <a:pPr algn="ctr"/>
+            <a:r>
+              <a:rPr lang="en-GB" sz="1600" dirty="0" smtClean="0"/>
+              <a:t>file</a:t>
+            </a:r>
+          </a:p>
+          <a:p>
+            <a:pPr algn="ctr"/>
+            <a:endParaRPr lang="en-GB" sz="1600" dirty="0"/>
+          </a:p>
+        </p:txBody>
+      </p:sp>
+      <p:sp>
+        <p:nvSpPr>
+          <p:cNvPr id="38" name="Flowchart: Document 37"/>
+          <p:cNvSpPr/>
+          <p:nvPr/>
+        </p:nvSpPr>
+        <p:spPr>
+          <a:xfrm>
+            <a:off x="7668344" y="3457332"/>
+            <a:ext cx="1296144" cy="1008112"/>
+          </a:xfrm>
+          <a:prstGeom prst="flowChartDocument">
+            <a:avLst/>
+          </a:prstGeom>
+          <a:solidFill>
+            <a:srgbClr val="00B050"/>
+          </a:solidFill>
+        </p:spPr>
+        <p:style>
+          <a:lnRef idx="2">
+            <a:schemeClr val="accent1">
+              <a:shade val="50000"/>
+            </a:schemeClr>
+          </a:lnRef>
+          <a:fillRef idx="1">
+            <a:schemeClr val="accent1"/>
+          </a:fillRef>
+          <a:effectRef idx="0">
+            <a:schemeClr val="accent1"/>
+          </a:effectRef>
+          <a:fontRef idx="minor">
+            <a:schemeClr val="lt1"/>
+          </a:fontRef>
+        </p:style>
+        <p:txBody>
+          <a:bodyPr lIns="0" tIns="0" rIns="0" bIns="0" rtlCol="0" anchor="t"/>
+          <a:lstStyle/>
+          <a:p>
+            <a:pPr algn="ctr"/>
+            <a:r>
+              <a:rPr lang="en-GB" sz="1600" dirty="0" smtClean="0"/>
+              <a:t>Absolute Machine Code</a:t>
+            </a:r>
+          </a:p>
+          <a:p>
+            <a:pPr algn="ctr"/>
+            <a:r>
+              <a:rPr lang="en-GB" sz="1600" dirty="0" smtClean="0"/>
+              <a:t>HEX file</a:t>
+            </a:r>
+          </a:p>
+          <a:p>
+            <a:pPr algn="ctr"/>
+            <a:endParaRPr lang="en-GB" sz="1600" dirty="0"/>
+          </a:p>
+        </p:txBody>
+      </p:sp>
+      <p:cxnSp>
+        <p:nvCxnSpPr>
+          <p:cNvPr id="40" name="Shape 39"/>
+          <p:cNvCxnSpPr>
+            <a:stCxn id="19" idx="3"/>
+            <a:endCxn id="37" idx="0"/>
+          </p:cNvCxnSpPr>
+          <p:nvPr/>
+        </p:nvCxnSpPr>
+        <p:spPr>
+          <a:xfrm>
+            <a:off x="6660232" y="2737252"/>
+            <a:ext cx="144016" cy="720080"/>
+          </a:xfrm>
+          <a:prstGeom prst="bentConnector2">
+            <a:avLst/>
+          </a:prstGeom>
+          <a:ln>
+            <a:tailEnd type="arrow"/>
+          </a:ln>
+        </p:spPr>
+        <p:style>
+          <a:lnRef idx="1">
+            <a:schemeClr val="accent1"/>
+          </a:lnRef>
+          <a:fillRef idx="0">
+            <a:schemeClr val="accent1"/>
+          </a:fillRef>
+          <a:effectRef idx="0">
+            <a:schemeClr val="accent1"/>
+          </a:effectRef>
+          <a:fontRef idx="minor">
+            <a:schemeClr val="tx1"/>
+          </a:fontRef>
+        </p:style>
+      </p:cxnSp>
+      <p:cxnSp>
+        <p:nvCxnSpPr>
+          <p:cNvPr id="42" name="Shape 41"/>
+          <p:cNvCxnSpPr>
+            <a:stCxn id="20" idx="3"/>
+            <a:endCxn id="38" idx="0"/>
+          </p:cNvCxnSpPr>
+          <p:nvPr/>
+        </p:nvCxnSpPr>
+        <p:spPr>
+          <a:xfrm>
+            <a:off x="8172400" y="2737252"/>
+            <a:ext cx="144016" cy="720080"/>
+          </a:xfrm>
+          <a:prstGeom prst="bentConnector2">
+            <a:avLst/>
+          </a:prstGeom>
+          <a:ln>
+            <a:tailEnd type="arrow"/>
+          </a:ln>
+        </p:spPr>
+        <p:style>
+          <a:lnRef idx="1">
+            <a:schemeClr val="accent1"/>
+          </a:lnRef>
+          <a:fillRef idx="0">
+            <a:schemeClr val="accent1"/>
+          </a:fillRef>
+          <a:effectRef idx="0">
+            <a:schemeClr val="accent1"/>
+          </a:effectRef>
+          <a:fontRef idx="minor">
+            <a:schemeClr val="tx1"/>
+          </a:fontRef>
+        </p:style>
+      </p:cxnSp>
+      <p:sp>
+        <p:nvSpPr>
+          <p:cNvPr id="46" name="Title 1"/>
+          <p:cNvSpPr>
+            <a:spLocks noGrp="1"/>
+          </p:cNvSpPr>
+          <p:nvPr>
+            <p:ph type="title"/>
+          </p:nvPr>
+        </p:nvSpPr>
+        <p:spPr>
+          <a:xfrm>
+            <a:off x="0" y="0"/>
+            <a:ext cx="8229600" cy="857250"/>
+          </a:xfrm>
+        </p:spPr>
+        <p:txBody>
+          <a:bodyPr/>
+          <a:lstStyle/>
+          <a:p>
+            <a:pPr algn="l"/>
+            <a:r>
+              <a:rPr lang="en-GB" dirty="0" smtClean="0"/>
+              <a:t>Compiler options</a:t>
+            </a:r>
+            <a:endParaRPr lang="en-GB" dirty="0"/>
+          </a:p>
+        </p:txBody>
+      </p:sp>
+      <p:sp>
+        <p:nvSpPr>
+          <p:cNvPr id="24" name="TextBox 23"/>
+          <p:cNvSpPr txBox="1"/>
+          <p:nvPr/>
+        </p:nvSpPr>
+        <p:spPr>
+          <a:xfrm>
+            <a:off x="6932476" y="1554068"/>
+            <a:ext cx="1255712" cy="830997"/>
           </a:xfrm>
           <a:prstGeom prst="rect">
             <a:avLst/>
           </a:prstGeom>
-        </p:spPr>
-        <p:txBody>
-          <a:bodyPr wrap="square" lIns="85064" tIns="42531" rIns="85064" bIns="42531">
+          <a:noFill/>
+          <a:ln w="28575">
+            <a:solidFill>
+              <a:srgbClr val="FF0000"/>
+            </a:solidFill>
+          </a:ln>
+        </p:spPr>
+        <p:txBody>
+          <a:bodyPr wrap="square" rtlCol="0">
             <a:spAutoFit/>
           </a:bodyPr>
           <a:lstStyle/>
           <a:p>
-            <a:r>
-              <a:rPr lang="en-GB" sz="1100" dirty="0" smtClean="0"/>
-              <a:t>PICKit_2_Low_Pin_Count_User_Guide_51556a.pdf</a:t>
-            </a:r>
-            <a:endParaRPr lang="en-GB" sz="1100" dirty="0"/>
+            <a:pPr algn="ctr"/>
+            <a:r>
+              <a:rPr lang="en-GB" sz="1200" dirty="0" smtClean="0"/>
+              <a:t>PIC-AS, MPASM, </a:t>
+            </a:r>
+          </a:p>
+          <a:p>
+            <a:pPr algn="ctr"/>
+            <a:r>
+              <a:rPr lang="en-GB" sz="1200" dirty="0" smtClean="0"/>
+              <a:t>MPLAB-IDE,</a:t>
+            </a:r>
+          </a:p>
+          <a:p>
+            <a:pPr algn="ctr"/>
+            <a:r>
+              <a:rPr lang="en-GB" sz="1200" dirty="0" smtClean="0"/>
+              <a:t>GPASM, AVRASM2</a:t>
+            </a:r>
+            <a:endParaRPr lang="en-GB" sz="1200" dirty="0"/>
+          </a:p>
+        </p:txBody>
+      </p:sp>
+      <p:cxnSp>
+        <p:nvCxnSpPr>
+          <p:cNvPr id="28" name="Shape 27"/>
+          <p:cNvCxnSpPr>
+            <a:stCxn id="37" idx="3"/>
+            <a:endCxn id="20" idx="2"/>
+          </p:cNvCxnSpPr>
+          <p:nvPr/>
+        </p:nvCxnSpPr>
+        <p:spPr>
+          <a:xfrm flipV="1">
+            <a:off x="7452320" y="3025284"/>
+            <a:ext cx="108012" cy="936104"/>
+          </a:xfrm>
+          <a:prstGeom prst="bentConnector2">
+            <a:avLst/>
+          </a:prstGeom>
+          <a:ln>
+            <a:tailEnd type="arrow"/>
+          </a:ln>
+        </p:spPr>
+        <p:style>
+          <a:lnRef idx="1">
+            <a:schemeClr val="accent1"/>
+          </a:lnRef>
+          <a:fillRef idx="0">
+            <a:schemeClr val="accent1"/>
+          </a:fillRef>
+          <a:effectRef idx="0">
+            <a:schemeClr val="accent1"/>
+          </a:effectRef>
+          <a:fontRef idx="minor">
+            <a:schemeClr val="tx1"/>
+          </a:fontRef>
+        </p:style>
+      </p:cxnSp>
+      <p:sp>
+        <p:nvSpPr>
+          <p:cNvPr id="33" name="Flowchart: Document 32"/>
+          <p:cNvSpPr/>
+          <p:nvPr/>
+        </p:nvSpPr>
+        <p:spPr>
+          <a:xfrm>
+            <a:off x="5508104" y="843558"/>
+            <a:ext cx="1296144" cy="720080"/>
+          </a:xfrm>
+          <a:prstGeom prst="flowChartDocument">
+            <a:avLst/>
+          </a:prstGeom>
+          <a:solidFill>
+            <a:srgbClr val="00B050"/>
+          </a:solidFill>
+        </p:spPr>
+        <p:style>
+          <a:lnRef idx="2">
+            <a:schemeClr val="accent1">
+              <a:shade val="50000"/>
+            </a:schemeClr>
+          </a:lnRef>
+          <a:fillRef idx="1">
+            <a:schemeClr val="accent1"/>
+          </a:fillRef>
+          <a:effectRef idx="0">
+            <a:schemeClr val="accent1"/>
+          </a:effectRef>
+          <a:fontRef idx="minor">
+            <a:schemeClr val="lt1"/>
+          </a:fontRef>
+        </p:style>
+        <p:txBody>
+          <a:bodyPr lIns="0" tIns="0" rIns="0" bIns="0" rtlCol="0" anchor="t"/>
+          <a:lstStyle/>
+          <a:p>
+            <a:pPr algn="ctr"/>
+            <a:r>
+              <a:rPr lang="en-GB" sz="1600" dirty="0" smtClean="0"/>
+              <a:t>Reports:</a:t>
+            </a:r>
+          </a:p>
+          <a:p>
+            <a:pPr algn="ctr"/>
+            <a:r>
+              <a:rPr lang="en-GB" sz="1600" dirty="0" smtClean="0"/>
+              <a:t>TXT and HTML</a:t>
+            </a:r>
+          </a:p>
+          <a:p>
+            <a:pPr algn="ctr"/>
+            <a:endParaRPr lang="en-GB" sz="1600" dirty="0"/>
+          </a:p>
+        </p:txBody>
+      </p:sp>
+      <p:cxnSp>
+        <p:nvCxnSpPr>
+          <p:cNvPr id="35" name="Straight Arrow Connector 34"/>
+          <p:cNvCxnSpPr/>
+          <p:nvPr/>
+        </p:nvCxnSpPr>
+        <p:spPr>
+          <a:xfrm flipV="1">
+            <a:off x="6300192" y="1491630"/>
+            <a:ext cx="0" cy="648072"/>
+          </a:xfrm>
+          <a:prstGeom prst="straightConnector1">
+            <a:avLst/>
+          </a:prstGeom>
+          <a:ln>
+            <a:tailEnd type="arrow"/>
+          </a:ln>
+        </p:spPr>
+        <p:style>
+          <a:lnRef idx="1">
+            <a:schemeClr val="accent1"/>
+          </a:lnRef>
+          <a:fillRef idx="0">
+            <a:schemeClr val="accent1"/>
+          </a:fillRef>
+          <a:effectRef idx="0">
+            <a:schemeClr val="accent1"/>
+          </a:effectRef>
+          <a:fontRef idx="minor">
+            <a:schemeClr val="tx1"/>
+          </a:fontRef>
+        </p:style>
+      </p:cxnSp>
+      <p:sp>
+        <p:nvSpPr>
+          <p:cNvPr id="45" name="TextBox 44"/>
+          <p:cNvSpPr txBox="1"/>
+          <p:nvPr/>
+        </p:nvSpPr>
+        <p:spPr>
+          <a:xfrm>
+            <a:off x="3764310" y="1905000"/>
+            <a:ext cx="1807995" cy="353943"/>
+          </a:xfrm>
+          <a:prstGeom prst="rect">
+            <a:avLst/>
+          </a:prstGeom>
+          <a:solidFill>
+            <a:schemeClr val="accent1">
+              <a:lumMod val="20000"/>
+              <a:lumOff val="80000"/>
+            </a:schemeClr>
+          </a:solidFill>
+          <a:ln>
+            <a:solidFill>
+              <a:schemeClr val="accent1"/>
+            </a:solidFill>
+          </a:ln>
+        </p:spPr>
+        <p:txBody>
+          <a:bodyPr wrap="none" rtlCol="0">
+            <a:spAutoFit/>
+          </a:bodyPr>
+          <a:lstStyle/>
+          <a:p>
+            <a:r>
+              <a:rPr lang="en-GB" dirty="0" smtClean="0"/>
+              <a:t>GCBASIC Compiler</a:t>
+            </a:r>
+            <a:endParaRPr lang="en-GB" dirty="0"/>
+          </a:p>
+        </p:txBody>
+      </p:sp>
+      <p:sp>
+        <p:nvSpPr>
+          <p:cNvPr id="26" name="TextBox 25"/>
+          <p:cNvSpPr txBox="1"/>
+          <p:nvPr/>
+        </p:nvSpPr>
+        <p:spPr>
+          <a:xfrm>
+            <a:off x="5492548" y="4659982"/>
+            <a:ext cx="2750818" cy="338554"/>
+          </a:xfrm>
+          <a:prstGeom prst="rect">
+            <a:avLst/>
+          </a:prstGeom>
+          <a:noFill/>
+        </p:spPr>
+        <p:txBody>
+          <a:bodyPr wrap="none" rtlCol="0">
+            <a:spAutoFit/>
+          </a:bodyPr>
+          <a:lstStyle/>
+          <a:p>
+            <a:r>
+              <a:rPr lang="en-GB" sz="1600" dirty="0" smtClean="0"/>
+              <a:t>8 bit PIC, AVR, AVR-DX and LGT</a:t>
+            </a:r>
+            <a:endParaRPr lang="en-GB" sz="1600" dirty="0"/>
           </a:p>
         </p:txBody>
       </p:sp>
     </p:spTree>
+    <p:extLst>
+      <p:ext uri="{BB962C8B-B14F-4D97-AF65-F5344CB8AC3E}">
+        <p14:creationId xmlns:p14="http://schemas.microsoft.com/office/powerpoint/2010/main" val="17162734"/>
+      </p:ext>
+    </p:extLst>
   </p:cSld>
   <p:clrMapOvr>
     <a:masterClrMapping/>
@@ -7440,7 +7918,7 @@
         <p:spPr>
           <a:xfrm>
             <a:off x="457202" y="1200151"/>
-            <a:ext cx="8363270" cy="3394472"/>
+            <a:ext cx="8579294" cy="3394472"/>
           </a:xfrm>
         </p:spPr>
         <p:txBody>
@@ -7459,17 +7937,9 @@
               <a:buNone/>
             </a:pPr>
             <a:r>
-              <a:rPr lang="en-GB" sz="900" u="sng" dirty="0" smtClean="0">
-                <a:hlinkClick r:id="rId2"/>
-              </a:rPr>
-              <a:t>https://github.com/Anobium/Great-Cow-BASIC-Demonstration-Sources/tree/master/Vendor_Boards/Microchip_Low_Pin_Count_Demo_Board/PICKit2_Board/18F16Q41</a:t>
-            </a:r>
-            <a:endParaRPr lang="en-GB" sz="900" u="sng" dirty="0" smtClean="0"/>
-          </a:p>
-          <a:p>
-            <a:pPr lvl="1">
-              <a:buNone/>
-            </a:pPr>
+              <a:rPr lang="en-GB" sz="900" u="sng" dirty="0"/>
+              <a:t>https://github.com/GreatCowBASIC/Demonstration_Sources/tree/main/Vendor_Boards/Great_Cow_Basic_Demo_Board/18Fx6q20_ChipRange_Demonstrations</a:t>
+            </a:r>
             <a:endParaRPr lang="en-GB" sz="900" u="sng" dirty="0" smtClean="0"/>
           </a:p>
           <a:p>
@@ -7479,7 +7949,11 @@
             </a:pPr>
             <a:r>
               <a:rPr lang="en-GB" sz="3000" dirty="0" smtClean="0"/>
-              <a:t>Tutorial presentations</a:t>
+              <a:t>Tutorial </a:t>
+            </a:r>
+            <a:r>
+              <a:rPr lang="en-GB" sz="3000" dirty="0" smtClean="0"/>
+              <a:t>presentations</a:t>
             </a:r>
           </a:p>
           <a:p>
@@ -7487,10 +7961,8 @@
               <a:buNone/>
             </a:pPr>
             <a:r>
-              <a:rPr lang="en-GB" sz="900" u="sng" dirty="0" smtClean="0">
-                <a:hlinkClick r:id="rId3"/>
-              </a:rPr>
-              <a:t>https://github.com/Anobium/Great-Cow-BASIC-Demonstration-Sources/tree/master/Vendor_Boards/Microchip_Low_Pin_Count_Demo_Board/PICKit2_Board/18F16Q41/tutorials</a:t>
+              <a:rPr lang="en-GB" sz="900" u="sng" dirty="0"/>
+              <a:t>https://github.com/GreatCowBASIC/Demonstration_Sources/tree/main/Vendor_Boards/Great_Cow_Basic_Demo_Board/18Fx6q20_ChipRange_Demonstrations/tutorials</a:t>
             </a:r>
             <a:endParaRPr lang="en-GB" sz="900" u="sng" dirty="0"/>
           </a:p>

--- a/Vendor_Boards/Great_Cow_Basic_Demo_Board/18Fx6q20_ChipRange_Demonstrations/tutorials/GCbASIC_Part20_Summary.pptx
+++ b/Vendor_Boards/Great_Cow_Basic_Demo_Board/18Fx6q20_ChipRange_Demonstrations/tutorials/GCbASIC_Part20_Summary.pptx
@@ -121,7 +121,7 @@
   </p:defaultTextStyle>
   <p:extLst>
     <p:ext uri="{EFAFB233-063F-42B5-8137-9DF3F51BA10A}">
-      <p15:sldGuideLst xmlns:p15="http://schemas.microsoft.com/office/powerpoint/2012/main">
+      <p15:sldGuideLst xmlns:p15="http://schemas.microsoft.com/office/powerpoint/2012/main" xmlns="">
         <p15:guide id="1" orient="horz" pos="1620">
           <p15:clr>
             <a:srgbClr val="A4A3A4"/>
@@ -135,7 +135,7 @@
       </p15:sldGuideLst>
     </p:ext>
     <p:ext uri="{2D200454-40CA-4A62-9FC3-DE9A4176ACB9}">
-      <p15:notesGuideLst xmlns:p15="http://schemas.microsoft.com/office/powerpoint/2012/main">
+      <p15:notesGuideLst xmlns:p15="http://schemas.microsoft.com/office/powerpoint/2012/main" xmlns="">
         <p15:guide id="1" orient="horz" pos="2880">
           <p15:clr>
             <a:srgbClr val="A4A3A4"/>
@@ -3668,23 +3668,7 @@
             </a:br>
             <a:r>
               <a:rPr lang="en-GB" dirty="0" smtClean="0"/>
-              <a:t>Part </a:t>
-            </a:r>
-            <a:r>
-              <a:rPr lang="en-GB" dirty="0" smtClean="0"/>
-              <a:t>20</a:t>
-            </a:r>
-            <a:r>
-              <a:rPr lang="en-GB" dirty="0" smtClean="0"/>
-              <a:t> </a:t>
-            </a:r>
-            <a:r>
-              <a:rPr lang="en-GB" dirty="0" smtClean="0"/>
-              <a:t>– </a:t>
-            </a:r>
-            <a:r>
-              <a:rPr lang="en-GB" dirty="0" smtClean="0"/>
-              <a:t>Summary</a:t>
+              <a:t>Part 20 – Summary</a:t>
             </a:r>
             <a:endParaRPr lang="en-GB" dirty="0"/>
           </a:p>
@@ -3954,17 +3938,8 @@
           <a:p>
             <a:r>
               <a:rPr lang="en-GB" dirty="0" smtClean="0"/>
-              <a:t>GCBASIC </a:t>
-            </a:r>
-            <a:r>
-              <a:rPr lang="en-GB" dirty="0" smtClean="0"/>
-              <a:t>supports the </a:t>
-            </a:r>
-            <a:r>
-              <a:rPr lang="en-GB" dirty="0" smtClean="0"/>
-              <a:t>PIC18-Q20</a:t>
-            </a:r>
-            <a:endParaRPr lang="en-GB" dirty="0" smtClean="0"/>
+              <a:t>GCBASIC supports the PIC18-Q20</a:t>
+            </a:r>
           </a:p>
           <a:p>
             <a:endParaRPr lang="en-GB" dirty="0" smtClean="0"/>
@@ -4025,11 +4000,7 @@
           <a:p>
             <a:r>
               <a:rPr lang="en-GB" dirty="0" smtClean="0"/>
-              <a:t>GCBASIC </a:t>
-            </a:r>
-            <a:r>
-              <a:rPr lang="en-GB" dirty="0" smtClean="0"/>
-              <a:t>supports multiple 32/64 bit operating  systems and integrates with MPLAB-X</a:t>
+              <a:t>GCBASIC supports multiple 32/64 bit operating  systems and integrates with MPLAB-X</a:t>
             </a:r>
           </a:p>
           <a:p>
@@ -4139,7 +4110,6 @@
               <a:rPr lang="en-GB" dirty="0"/>
               <a:t>Part 20 – Summary</a:t>
             </a:r>
-            <a:endParaRPr lang="en-GB" dirty="0"/>
           </a:p>
         </p:txBody>
       </p:sp>
@@ -4325,6 +4295,65 @@
         <p:spPr>
           <a:xfrm>
             <a:off x="539552" y="3480559"/>
+            <a:ext cx="7367888" cy="707886"/>
+          </a:xfrm>
+          <a:prstGeom prst="rect">
+            <a:avLst/>
+          </a:prstGeom>
+          <a:noFill/>
+        </p:spPr>
+        <p:txBody>
+          <a:bodyPr wrap="square" lIns="91440" tIns="45720" rIns="91440" bIns="45720">
+            <a:spAutoFit/>
+          </a:bodyPr>
+          <a:lstStyle/>
+          <a:p>
+            <a:pPr algn="ctr"/>
+            <a:r>
+              <a:rPr lang="en-US" sz="4000" b="1" dirty="0" smtClean="0">
+                <a:ln w="10541" cmpd="sng">
+                  <a:solidFill>
+                    <a:srgbClr val="7D7D7D">
+                      <a:tint val="100000"/>
+                      <a:shade val="100000"/>
+                      <a:satMod val="110000"/>
+                    </a:srgbClr>
+                  </a:solidFill>
+                  <a:prstDash val="solid"/>
+                </a:ln>
+                <a:solidFill>
+                  <a:srgbClr val="FF0000"/>
+                </a:solidFill>
+              </a:rPr>
+              <a:t>PICKit4! AI Code generation!</a:t>
+            </a:r>
+            <a:endParaRPr lang="en-US" sz="4000" b="1" dirty="0" smtClean="0">
+              <a:ln w="10541" cmpd="sng">
+                <a:solidFill>
+                  <a:srgbClr val="7D7D7D">
+                    <a:tint val="100000"/>
+                    <a:shade val="100000"/>
+                    <a:satMod val="110000"/>
+                  </a:srgbClr>
+                </a:solidFill>
+                <a:prstDash val="solid"/>
+              </a:ln>
+              <a:solidFill>
+                <a:srgbClr val="FF0000"/>
+              </a:solidFill>
+            </a:endParaRPr>
+          </a:p>
+        </p:txBody>
+      </p:sp>
+      <p:sp>
+        <p:nvSpPr>
+          <p:cNvPr id="11" name="Rectangle 10"/>
+          <p:cNvSpPr/>
+          <p:nvPr/>
+        </p:nvSpPr>
+        <p:spPr>
+          <a:xfrm>
+            <a:off x="899592" y="987574"/>
             <a:ext cx="7367888" cy="707886"/>
           </a:xfrm>
           <a:prstGeom prst="rect">
@@ -7949,11 +7978,7 @@
             </a:pPr>
             <a:r>
               <a:rPr lang="en-GB" sz="3000" dirty="0" smtClean="0"/>
-              <a:t>Tutorial </a:t>
-            </a:r>
-            <a:r>
-              <a:rPr lang="en-GB" sz="3000" dirty="0" smtClean="0"/>
-              <a:t>presentations</a:t>
+              <a:t>Tutorial presentations</a:t>
             </a:r>
           </a:p>
           <a:p>
@@ -7964,7 +7989,6 @@
               <a:rPr lang="en-GB" sz="900" u="sng" dirty="0"/>
               <a:t>https://github.com/GreatCowBASIC/Demonstration_Sources/tree/main/Vendor_Boards/Great_Cow_Basic_Demo_Board/18Fx6q20_ChipRange_Demonstrations/tutorials</a:t>
             </a:r>
-            <a:endParaRPr lang="en-GB" sz="900" u="sng" dirty="0"/>
           </a:p>
         </p:txBody>
       </p:sp>
